--- a/Documents/Official Documents/Development Presentation.pptx
+++ b/Documents/Official Documents/Development Presentation.pptx
@@ -21,6 +21,7 @@
     <p:sldId id="267" r:id="rId15"/>
     <p:sldId id="269" r:id="rId16"/>
     <p:sldId id="270" r:id="rId17"/>
+    <p:sldId id="271" r:id="rId18"/>
   </p:sldIdLst>
   <p:sldSz cx="12192000" cy="6858000"/>
   <p:notesSz cx="6858000" cy="9144000"/>
@@ -119,6 +120,11 @@
       </a:defRPr>
     </a:lvl9pPr>
   </p:defaultTextStyle>
+  <p:extLst>
+    <p:ext uri="{EFAFB233-063F-42B5-8137-9DF3F51BA10A}">
+      <p15:sldGuideLst xmlns:p15="http://schemas.microsoft.com/office/powerpoint/2012/main"/>
+    </p:ext>
+  </p:extLst>
 </p:presentation>
 </file>
 
@@ -308,7 +314,7 @@
           <a:p>
             <a:fld id="{59C13FFA-297C-4366-86F1-A0B9E1C86535}" type="datetimeFigureOut">
               <a:rPr lang="en-GB" smtClean="0"/>
-              <a:t>07/11/2018</a:t>
+              <a:t>08/11/2018</a:t>
             </a:fld>
             <a:endParaRPr lang="en-GB"/>
           </a:p>
@@ -583,7 +589,7 @@
           <a:p>
             <a:fld id="{59C13FFA-297C-4366-86F1-A0B9E1C86535}" type="datetimeFigureOut">
               <a:rPr lang="en-GB" smtClean="0"/>
-              <a:t>07/11/2018</a:t>
+              <a:t>08/11/2018</a:t>
             </a:fld>
             <a:endParaRPr lang="en-GB"/>
           </a:p>
@@ -777,7 +783,7 @@
           <a:p>
             <a:fld id="{59C13FFA-297C-4366-86F1-A0B9E1C86535}" type="datetimeFigureOut">
               <a:rPr lang="en-GB" smtClean="0"/>
-              <a:t>07/11/2018</a:t>
+              <a:t>08/11/2018</a:t>
             </a:fld>
             <a:endParaRPr lang="en-GB"/>
           </a:p>
@@ -1050,7 +1056,7 @@
           <a:p>
             <a:fld id="{59C13FFA-297C-4366-86F1-A0B9E1C86535}" type="datetimeFigureOut">
               <a:rPr lang="en-GB" smtClean="0"/>
-              <a:t>07/11/2018</a:t>
+              <a:t>08/11/2018</a:t>
             </a:fld>
             <a:endParaRPr lang="en-GB"/>
           </a:p>
@@ -1391,7 +1397,7 @@
           <a:p>
             <a:fld id="{59C13FFA-297C-4366-86F1-A0B9E1C86535}" type="datetimeFigureOut">
               <a:rPr lang="en-GB" smtClean="0"/>
-              <a:t>07/11/2018</a:t>
+              <a:t>08/11/2018</a:t>
             </a:fld>
             <a:endParaRPr lang="en-GB"/>
           </a:p>
@@ -2014,7 +2020,7 @@
           <a:p>
             <a:fld id="{59C13FFA-297C-4366-86F1-A0B9E1C86535}" type="datetimeFigureOut">
               <a:rPr lang="en-GB" smtClean="0"/>
-              <a:t>07/11/2018</a:t>
+              <a:t>08/11/2018</a:t>
             </a:fld>
             <a:endParaRPr lang="en-GB"/>
           </a:p>
@@ -2874,7 +2880,7 @@
           <a:p>
             <a:fld id="{59C13FFA-297C-4366-86F1-A0B9E1C86535}" type="datetimeFigureOut">
               <a:rPr lang="en-GB" smtClean="0"/>
-              <a:t>07/11/2018</a:t>
+              <a:t>08/11/2018</a:t>
             </a:fld>
             <a:endParaRPr lang="en-GB"/>
           </a:p>
@@ -3044,7 +3050,7 @@
           <a:p>
             <a:fld id="{59C13FFA-297C-4366-86F1-A0B9E1C86535}" type="datetimeFigureOut">
               <a:rPr lang="en-GB" smtClean="0"/>
-              <a:t>07/11/2018</a:t>
+              <a:t>08/11/2018</a:t>
             </a:fld>
             <a:endParaRPr lang="en-GB"/>
           </a:p>
@@ -3224,7 +3230,7 @@
           <a:p>
             <a:fld id="{59C13FFA-297C-4366-86F1-A0B9E1C86535}" type="datetimeFigureOut">
               <a:rPr lang="en-GB" smtClean="0"/>
-              <a:t>07/11/2018</a:t>
+              <a:t>08/11/2018</a:t>
             </a:fld>
             <a:endParaRPr lang="en-GB"/>
           </a:p>
@@ -3787,7 +3793,7 @@
           <a:p>
             <a:fld id="{59C13FFA-297C-4366-86F1-A0B9E1C86535}" type="datetimeFigureOut">
               <a:rPr lang="en-GB" smtClean="0"/>
-              <a:t>07/11/2018</a:t>
+              <a:t>08/11/2018</a:t>
             </a:fld>
             <a:endParaRPr lang="en-GB"/>
           </a:p>
@@ -3962,7 +3968,7 @@
           <a:p>
             <a:fld id="{59C13FFA-297C-4366-86F1-A0B9E1C86535}" type="datetimeFigureOut">
               <a:rPr lang="en-GB" smtClean="0"/>
-              <a:t>07/11/2018</a:t>
+              <a:t>08/11/2018</a:t>
             </a:fld>
             <a:endParaRPr lang="en-GB"/>
           </a:p>
@@ -4137,7 +4143,7 @@
           <a:p>
             <a:fld id="{59C13FFA-297C-4366-86F1-A0B9E1C86535}" type="datetimeFigureOut">
               <a:rPr lang="en-GB" smtClean="0"/>
-              <a:t>07/11/2018</a:t>
+              <a:t>08/11/2018</a:t>
             </a:fld>
             <a:endParaRPr lang="en-GB"/>
           </a:p>
@@ -4383,7 +4389,7 @@
           <a:p>
             <a:fld id="{59C13FFA-297C-4366-86F1-A0B9E1C86535}" type="datetimeFigureOut">
               <a:rPr lang="en-GB" smtClean="0"/>
-              <a:t>07/11/2018</a:t>
+              <a:t>08/11/2018</a:t>
             </a:fld>
             <a:endParaRPr lang="en-GB"/>
           </a:p>
@@ -4680,7 +4686,7 @@
           <a:p>
             <a:fld id="{59C13FFA-297C-4366-86F1-A0B9E1C86535}" type="datetimeFigureOut">
               <a:rPr lang="en-GB" smtClean="0"/>
-              <a:t>07/11/2018</a:t>
+              <a:t>08/11/2018</a:t>
             </a:fld>
             <a:endParaRPr lang="en-GB"/>
           </a:p>
@@ -5122,7 +5128,7 @@
           <a:p>
             <a:fld id="{59C13FFA-297C-4366-86F1-A0B9E1C86535}" type="datetimeFigureOut">
               <a:rPr lang="en-GB" smtClean="0"/>
-              <a:t>07/11/2018</a:t>
+              <a:t>08/11/2018</a:t>
             </a:fld>
             <a:endParaRPr lang="en-GB"/>
           </a:p>
@@ -5240,7 +5246,7 @@
           <a:p>
             <a:fld id="{59C13FFA-297C-4366-86F1-A0B9E1C86535}" type="datetimeFigureOut">
               <a:rPr lang="en-GB" smtClean="0"/>
-              <a:t>07/11/2018</a:t>
+              <a:t>08/11/2018</a:t>
             </a:fld>
             <a:endParaRPr lang="en-GB"/>
           </a:p>
@@ -5335,7 +5341,7 @@
           <a:p>
             <a:fld id="{59C13FFA-297C-4366-86F1-A0B9E1C86535}" type="datetimeFigureOut">
               <a:rPr lang="en-GB" smtClean="0"/>
-              <a:t>07/11/2018</a:t>
+              <a:t>08/11/2018</a:t>
             </a:fld>
             <a:endParaRPr lang="en-GB"/>
           </a:p>
@@ -5618,7 +5624,7 @@
           <a:p>
             <a:fld id="{59C13FFA-297C-4366-86F1-A0B9E1C86535}" type="datetimeFigureOut">
               <a:rPr lang="en-GB" smtClean="0"/>
-              <a:t>07/11/2018</a:t>
+              <a:t>08/11/2018</a:t>
             </a:fld>
             <a:endParaRPr lang="en-GB"/>
           </a:p>
@@ -5909,7 +5915,7 @@
           <a:p>
             <a:fld id="{59C13FFA-297C-4366-86F1-A0B9E1C86535}" type="datetimeFigureOut">
               <a:rPr lang="en-GB" smtClean="0"/>
-              <a:t>07/11/2018</a:t>
+              <a:t>08/11/2018</a:t>
             </a:fld>
             <a:endParaRPr lang="en-GB"/>
           </a:p>
@@ -6200,7 +6206,7 @@
           <a:p>
             <a:fld id="{59C13FFA-297C-4366-86F1-A0B9E1C86535}" type="datetimeFigureOut">
               <a:rPr lang="en-GB" smtClean="0"/>
-              <a:t>07/11/2018</a:t>
+              <a:t>08/11/2018</a:t>
             </a:fld>
             <a:endParaRPr lang="en-GB"/>
           </a:p>
@@ -6448,7 +6454,7 @@
           <a:p>
             <a:fld id="{59C13FFA-297C-4366-86F1-A0B9E1C86535}" type="datetimeFigureOut">
               <a:rPr lang="en-GB" smtClean="0"/>
-              <a:t>07/11/2018</a:t>
+              <a:t>08/11/2018</a:t>
             </a:fld>
             <a:endParaRPr lang="en-GB"/>
           </a:p>
@@ -6988,7 +6994,7 @@
           <a:p>
             <a:fld id="{59C13FFA-297C-4366-86F1-A0B9E1C86535}" type="datetimeFigureOut">
               <a:rPr lang="en-GB" smtClean="0"/>
-              <a:t>07/11/2018</a:t>
+              <a:t>08/11/2018</a:t>
             </a:fld>
             <a:endParaRPr lang="en-GB"/>
           </a:p>
@@ -7235,7 +7241,7 @@
           <a:p>
             <a:fld id="{59C13FFA-297C-4366-86F1-A0B9E1C86535}" type="datetimeFigureOut">
               <a:rPr lang="en-GB" smtClean="0"/>
-              <a:t>07/11/2018</a:t>
+              <a:t>08/11/2018</a:t>
             </a:fld>
             <a:endParaRPr lang="en-GB"/>
           </a:p>
@@ -7483,7 +7489,7 @@
           <a:p>
             <a:fld id="{59C13FFA-297C-4366-86F1-A0B9E1C86535}" type="datetimeFigureOut">
               <a:rPr lang="en-GB" smtClean="0"/>
-              <a:t>07/11/2018</a:t>
+              <a:t>08/11/2018</a:t>
             </a:fld>
             <a:endParaRPr lang="en-GB"/>
           </a:p>
@@ -8015,7 +8021,7 @@
           <a:p>
             <a:fld id="{59C13FFA-297C-4366-86F1-A0B9E1C86535}" type="datetimeFigureOut">
               <a:rPr lang="en-GB" smtClean="0"/>
-              <a:t>07/11/2018</a:t>
+              <a:t>08/11/2018</a:t>
             </a:fld>
             <a:endParaRPr lang="en-GB"/>
           </a:p>
@@ -8312,7 +8318,7 @@
           <a:p>
             <a:fld id="{59C13FFA-297C-4366-86F1-A0B9E1C86535}" type="datetimeFigureOut">
               <a:rPr lang="en-GB" smtClean="0"/>
-              <a:t>07/11/2018</a:t>
+              <a:t>08/11/2018</a:t>
             </a:fld>
             <a:endParaRPr lang="en-GB"/>
           </a:p>
@@ -8486,7 +8492,7 @@
           <a:p>
             <a:fld id="{59C13FFA-297C-4366-86F1-A0B9E1C86535}" type="datetimeFigureOut">
               <a:rPr lang="en-GB" smtClean="0"/>
-              <a:t>07/11/2018</a:t>
+              <a:t>08/11/2018</a:t>
             </a:fld>
             <a:endParaRPr lang="en-GB"/>
           </a:p>
@@ -8666,7 +8672,7 @@
           <a:p>
             <a:fld id="{59C13FFA-297C-4366-86F1-A0B9E1C86535}" type="datetimeFigureOut">
               <a:rPr lang="en-GB" smtClean="0"/>
-              <a:t>07/11/2018</a:t>
+              <a:t>08/11/2018</a:t>
             </a:fld>
             <a:endParaRPr lang="en-GB"/>
           </a:p>
@@ -8958,7 +8964,7 @@
           <a:p>
             <a:fld id="{59C13FFA-297C-4366-86F1-A0B9E1C86535}" type="datetimeFigureOut">
               <a:rPr lang="en-GB" smtClean="0"/>
-              <a:t>07/11/2018</a:t>
+              <a:t>08/11/2018</a:t>
             </a:fld>
             <a:endParaRPr lang="en-GB"/>
           </a:p>
@@ -9402,7 +9408,7 @@
           <a:p>
             <a:fld id="{59C13FFA-297C-4366-86F1-A0B9E1C86535}" type="datetimeFigureOut">
               <a:rPr lang="en-GB" smtClean="0"/>
-              <a:t>07/11/2018</a:t>
+              <a:t>08/11/2018</a:t>
             </a:fld>
             <a:endParaRPr lang="en-GB"/>
           </a:p>
@@ -9520,7 +9526,7 @@
           <a:p>
             <a:fld id="{59C13FFA-297C-4366-86F1-A0B9E1C86535}" type="datetimeFigureOut">
               <a:rPr lang="en-GB" smtClean="0"/>
-              <a:t>07/11/2018</a:t>
+              <a:t>08/11/2018</a:t>
             </a:fld>
             <a:endParaRPr lang="en-GB"/>
           </a:p>
@@ -9615,7 +9621,7 @@
           <a:p>
             <a:fld id="{59C13FFA-297C-4366-86F1-A0B9E1C86535}" type="datetimeFigureOut">
               <a:rPr lang="en-GB" smtClean="0"/>
-              <a:t>07/11/2018</a:t>
+              <a:t>08/11/2018</a:t>
             </a:fld>
             <a:endParaRPr lang="en-GB"/>
           </a:p>
@@ -9894,7 +9900,7 @@
           <a:p>
             <a:fld id="{59C13FFA-297C-4366-86F1-A0B9E1C86535}" type="datetimeFigureOut">
               <a:rPr lang="en-GB" smtClean="0"/>
-              <a:t>07/11/2018</a:t>
+              <a:t>08/11/2018</a:t>
             </a:fld>
             <a:endParaRPr lang="en-GB"/>
           </a:p>
@@ -10169,7 +10175,7 @@
           <a:p>
             <a:fld id="{59C13FFA-297C-4366-86F1-A0B9E1C86535}" type="datetimeFigureOut">
               <a:rPr lang="en-GB" smtClean="0"/>
-              <a:t>07/11/2018</a:t>
+              <a:t>08/11/2018</a:t>
             </a:fld>
             <a:endParaRPr lang="en-GB"/>
           </a:p>
@@ -10598,7 +10604,7 @@
           <a:p>
             <a:fld id="{59C13FFA-297C-4366-86F1-A0B9E1C86535}" type="datetimeFigureOut">
               <a:rPr lang="en-GB" smtClean="0"/>
-              <a:t>07/11/2018</a:t>
+              <a:t>08/11/2018</a:t>
             </a:fld>
             <a:endParaRPr lang="en-GB"/>
           </a:p>
@@ -11578,7 +11584,7 @@
           <a:p>
             <a:fld id="{59C13FFA-297C-4366-86F1-A0B9E1C86535}" type="datetimeFigureOut">
               <a:rPr lang="en-GB" smtClean="0"/>
-              <a:t>07/11/2018</a:t>
+              <a:t>08/11/2018</a:t>
             </a:fld>
             <a:endParaRPr lang="en-GB"/>
           </a:p>
@@ -12254,7 +12260,63 @@
           <a:bodyPr/>
           <a:lstStyle/>
           <a:p>
-            <a:endParaRPr lang="en-GB"/>
+            <a:pPr marL="0" indent="0">
+              <a:buNone/>
+            </a:pPr>
+            <a:r>
+              <a:rPr lang="en-GB" dirty="0"/>
+              <a:t>Bullet points (to be improved) </a:t>
+            </a:r>
+          </a:p>
+          <a:p>
+            <a:pPr marL="0" indent="0">
+              <a:buNone/>
+            </a:pPr>
+            <a:r>
+              <a:rPr lang="en-GB" dirty="0"/>
+              <a:t>- </a:t>
+            </a:r>
+            <a:r>
+              <a:rPr lang="en-GB" dirty="0" smtClean="0"/>
+              <a:t>Did </a:t>
+            </a:r>
+            <a:r>
+              <a:rPr lang="en-GB" dirty="0"/>
+              <a:t>I create them or did I get the from a third party?</a:t>
+            </a:r>
+          </a:p>
+          <a:p>
+            <a:pPr marL="0" indent="0">
+              <a:buNone/>
+            </a:pPr>
+            <a:r>
+              <a:rPr lang="en-GB" dirty="0"/>
+              <a:t>- Did I meet the copyright requirements</a:t>
+            </a:r>
+          </a:p>
+          <a:p>
+            <a:pPr marL="0" indent="0">
+              <a:buNone/>
+            </a:pPr>
+            <a:r>
+              <a:rPr lang="en-GB" dirty="0"/>
+              <a:t>- How do the images benefit the website</a:t>
+            </a:r>
+          </a:p>
+          <a:p>
+            <a:pPr marL="0" indent="0">
+              <a:buNone/>
+            </a:pPr>
+            <a:r>
+              <a:rPr lang="en-GB" dirty="0"/>
+              <a:t>- What are the other choices of images</a:t>
+            </a:r>
+          </a:p>
+          <a:p>
+            <a:pPr marL="0" indent="0">
+              <a:buNone/>
+            </a:pPr>
+            <a:endParaRPr lang="en-GB" dirty="0"/>
           </a:p>
         </p:txBody>
       </p:sp>
@@ -12337,7 +12399,55 @@
           <a:bodyPr/>
           <a:lstStyle/>
           <a:p>
-            <a:endParaRPr lang="en-GB"/>
+            <a:pPr marL="0" indent="0">
+              <a:buNone/>
+            </a:pPr>
+            <a:r>
+              <a:rPr lang="en-GB" dirty="0"/>
+              <a:t>Bullet points (to be improved) </a:t>
+            </a:r>
+          </a:p>
+          <a:p>
+            <a:pPr marL="0" indent="0">
+              <a:buNone/>
+            </a:pPr>
+            <a:r>
+              <a:rPr lang="en-GB" dirty="0"/>
+              <a:t>- Did I create them or did I get the from a third party?</a:t>
+            </a:r>
+          </a:p>
+          <a:p>
+            <a:pPr marL="0" indent="0">
+              <a:buNone/>
+            </a:pPr>
+            <a:r>
+              <a:rPr lang="en-GB" dirty="0"/>
+              <a:t>- Did I meet the copyright requirements</a:t>
+            </a:r>
+          </a:p>
+          <a:p>
+            <a:pPr marL="0" indent="0">
+              <a:buNone/>
+            </a:pPr>
+            <a:r>
+              <a:rPr lang="en-GB" dirty="0"/>
+              <a:t>- How do the images benefit the website</a:t>
+            </a:r>
+          </a:p>
+          <a:p>
+            <a:pPr marL="0" indent="0">
+              <a:buNone/>
+            </a:pPr>
+            <a:r>
+              <a:rPr lang="en-GB" dirty="0"/>
+              <a:t>- What are the other choices of images</a:t>
+            </a:r>
+          </a:p>
+          <a:p>
+            <a:pPr marL="0" indent="0">
+              <a:buNone/>
+            </a:pPr>
+            <a:endParaRPr lang="en-GB" dirty="0"/>
           </a:p>
         </p:txBody>
       </p:sp>
@@ -12420,7 +12530,54 @@
           <a:bodyPr/>
           <a:lstStyle/>
           <a:p>
-            <a:endParaRPr lang="en-GB"/>
+            <a:pPr marL="0" indent="0">
+              <a:buNone/>
+            </a:pPr>
+            <a:r>
+              <a:rPr lang="en-GB" dirty="0"/>
+              <a:t>Bullet points (to be improved) </a:t>
+            </a:r>
+          </a:p>
+          <a:p>
+            <a:pPr>
+              <a:buFontTx/>
+              <a:buChar char="-"/>
+            </a:pPr>
+            <a:r>
+              <a:rPr lang="en-GB" dirty="0" smtClean="0"/>
+              <a:t>What was the type of content that I was searching for?</a:t>
+            </a:r>
+          </a:p>
+          <a:p>
+            <a:pPr>
+              <a:buFontTx/>
+              <a:buChar char="-"/>
+            </a:pPr>
+            <a:r>
+              <a:rPr lang="en-GB" dirty="0" smtClean="0"/>
+              <a:t>Where did I get the content from</a:t>
+            </a:r>
+          </a:p>
+          <a:p>
+            <a:pPr>
+              <a:buFontTx/>
+              <a:buChar char="-"/>
+            </a:pPr>
+            <a:r>
+              <a:rPr lang="en-GB" dirty="0" smtClean="0"/>
+              <a:t>Any copyright issues?</a:t>
+            </a:r>
+          </a:p>
+          <a:p>
+            <a:pPr>
+              <a:buFontTx/>
+              <a:buChar char="-"/>
+            </a:pPr>
+            <a:r>
+              <a:rPr lang="en-GB" dirty="0" smtClean="0"/>
+              <a:t>Other pages I could have chose from</a:t>
+            </a:r>
+            <a:endParaRPr lang="en-GB" dirty="0"/>
           </a:p>
         </p:txBody>
       </p:sp>
@@ -12503,7 +12660,50 @@
           <a:bodyPr/>
           <a:lstStyle/>
           <a:p>
-            <a:endParaRPr lang="en-GB"/>
+            <a:pPr marL="0" indent="0">
+              <a:buNone/>
+            </a:pPr>
+            <a:r>
+              <a:rPr lang="en-GB" dirty="0"/>
+              <a:t>Bullet points (to be improved) </a:t>
+            </a:r>
+          </a:p>
+          <a:p>
+            <a:pPr>
+              <a:buFontTx/>
+              <a:buChar char="-"/>
+            </a:pPr>
+            <a:r>
+              <a:rPr lang="en-GB" dirty="0" smtClean="0"/>
+              <a:t>How did I create it?</a:t>
+            </a:r>
+          </a:p>
+          <a:p>
+            <a:pPr>
+              <a:buFontTx/>
+              <a:buChar char="-"/>
+            </a:pPr>
+            <a:r>
+              <a:rPr lang="en-GB" dirty="0" smtClean="0"/>
+              <a:t>Discuss the different designs for it</a:t>
+            </a:r>
+          </a:p>
+          <a:p>
+            <a:pPr>
+              <a:buFontTx/>
+              <a:buChar char="-"/>
+            </a:pPr>
+            <a:r>
+              <a:rPr lang="en-GB" dirty="0" smtClean="0"/>
+              <a:t>How does the logo fit the website</a:t>
+            </a:r>
+          </a:p>
+          <a:p>
+            <a:pPr>
+              <a:buFontTx/>
+              <a:buChar char="-"/>
+            </a:pPr>
+            <a:endParaRPr lang="en-GB" dirty="0"/>
           </a:p>
         </p:txBody>
       </p:sp>
@@ -12586,7 +12786,48 @@
           <a:bodyPr/>
           <a:lstStyle/>
           <a:p>
-            <a:endParaRPr lang="en-GB"/>
+            <a:pPr marL="0" indent="0">
+              <a:buNone/>
+            </a:pPr>
+            <a:r>
+              <a:rPr lang="en-GB" dirty="0"/>
+              <a:t>Bullet points (to be improved) </a:t>
+            </a:r>
+          </a:p>
+          <a:p>
+            <a:pPr>
+              <a:buFontTx/>
+              <a:buChar char="-"/>
+            </a:pPr>
+            <a:r>
+              <a:rPr lang="en-GB" dirty="0"/>
+              <a:t>How did I create it?</a:t>
+            </a:r>
+          </a:p>
+          <a:p>
+            <a:pPr>
+              <a:buFontTx/>
+              <a:buChar char="-"/>
+            </a:pPr>
+            <a:r>
+              <a:rPr lang="en-GB" dirty="0"/>
+              <a:t>Discuss the different designs for it</a:t>
+            </a:r>
+          </a:p>
+          <a:p>
+            <a:pPr>
+              <a:buFontTx/>
+              <a:buChar char="-"/>
+            </a:pPr>
+            <a:r>
+              <a:rPr lang="en-GB" dirty="0"/>
+              <a:t>How does the </a:t>
+            </a:r>
+            <a:r>
+              <a:rPr lang="en-GB" dirty="0" smtClean="0"/>
+              <a:t>image fit the carousel</a:t>
+            </a:r>
+            <a:endParaRPr lang="en-GB" dirty="0"/>
           </a:p>
         </p:txBody>
       </p:sp>
@@ -12669,7 +12910,44 @@
           <a:bodyPr/>
           <a:lstStyle/>
           <a:p>
-            <a:endParaRPr lang="en-GB"/>
+            <a:pPr marL="0" indent="0">
+              <a:buNone/>
+            </a:pPr>
+            <a:r>
+              <a:rPr lang="en-GB" dirty="0"/>
+              <a:t>Bullet points (to be improved) </a:t>
+            </a:r>
+          </a:p>
+          <a:p>
+            <a:pPr>
+              <a:buFontTx/>
+              <a:buChar char="-"/>
+            </a:pPr>
+            <a:r>
+              <a:rPr lang="en-GB" dirty="0" smtClean="0"/>
+              <a:t>Explain timing issues</a:t>
+            </a:r>
+          </a:p>
+          <a:p>
+            <a:pPr>
+              <a:buFontTx/>
+              <a:buChar char="-"/>
+            </a:pPr>
+            <a:r>
+              <a:rPr lang="en-GB" dirty="0" smtClean="0"/>
+              <a:t>What did I do to stick to the plan (to be on time for the deadline)</a:t>
+            </a:r>
+          </a:p>
+          <a:p>
+            <a:pPr>
+              <a:buFontTx/>
+              <a:buChar char="-"/>
+            </a:pPr>
+            <a:r>
+              <a:rPr lang="en-GB" dirty="0" smtClean="0"/>
+              <a:t>Did it benefit/hurt the website</a:t>
+            </a:r>
+            <a:endParaRPr lang="en-GB" dirty="0"/>
           </a:p>
         </p:txBody>
       </p:sp>
@@ -12677,6 +12955,133 @@
     <p:extLst>
       <p:ext uri="{BB962C8B-B14F-4D97-AF65-F5344CB8AC3E}">
         <p14:creationId xmlns:p14="http://schemas.microsoft.com/office/powerpoint/2010/main" val="240795416"/>
+      </p:ext>
+    </p:extLst>
+  </p:cSld>
+  <p:clrMapOvr>
+    <a:masterClrMapping/>
+  </p:clrMapOvr>
+</p:sld>
+</file>
+
+<file path=ppt/slides/slide16.xml><?xml version="1.0" encoding="utf-8"?>
+<p:sld xmlns:a="http://schemas.openxmlformats.org/drawingml/2006/main" xmlns:r="http://schemas.openxmlformats.org/officeDocument/2006/relationships" xmlns:p="http://schemas.openxmlformats.org/presentationml/2006/main">
+  <p:cSld>
+    <p:spTree>
+      <p:nvGrpSpPr>
+        <p:cNvPr id="1" name=""/>
+        <p:cNvGrpSpPr/>
+        <p:nvPr/>
+      </p:nvGrpSpPr>
+      <p:grpSpPr>
+        <a:xfrm>
+          <a:off x="0" y="0"/>
+          <a:ext cx="0" cy="0"/>
+          <a:chOff x="0" y="0"/>
+          <a:chExt cx="0" cy="0"/>
+        </a:xfrm>
+      </p:grpSpPr>
+      <p:sp>
+        <p:nvSpPr>
+          <p:cNvPr id="2" name="Title 1"/>
+          <p:cNvSpPr>
+            <a:spLocks noGrp="1"/>
+          </p:cNvSpPr>
+          <p:nvPr>
+            <p:ph type="title"/>
+          </p:nvPr>
+        </p:nvSpPr>
+        <p:spPr/>
+        <p:txBody>
+          <a:bodyPr/>
+          <a:lstStyle/>
+          <a:p>
+            <a:r>
+              <a:rPr lang="en-GB" dirty="0" smtClean="0"/>
+              <a:t>Areas that I could </a:t>
+            </a:r>
+            <a:r>
+              <a:rPr lang="en-GB" dirty="0"/>
+              <a:t>i</a:t>
+            </a:r>
+            <a:r>
+              <a:rPr lang="en-GB" dirty="0" smtClean="0"/>
+              <a:t>mprove in </a:t>
+            </a:r>
+            <a:endParaRPr lang="en-GB" dirty="0"/>
+          </a:p>
+        </p:txBody>
+      </p:sp>
+      <p:sp>
+        <p:nvSpPr>
+          <p:cNvPr id="3" name="Content Placeholder 2"/>
+          <p:cNvSpPr>
+            <a:spLocks noGrp="1"/>
+          </p:cNvSpPr>
+          <p:nvPr>
+            <p:ph idx="1"/>
+          </p:nvPr>
+        </p:nvSpPr>
+        <p:spPr/>
+        <p:txBody>
+          <a:bodyPr/>
+          <a:lstStyle/>
+          <a:p>
+            <a:pPr marL="0" indent="0">
+              <a:buNone/>
+            </a:pPr>
+            <a:r>
+              <a:rPr lang="en-GB" dirty="0"/>
+              <a:t>Bullet points (to be improved) </a:t>
+            </a:r>
+          </a:p>
+          <a:p>
+            <a:pPr>
+              <a:buFontTx/>
+              <a:buChar char="-"/>
+            </a:pPr>
+            <a:r>
+              <a:rPr lang="en-GB" dirty="0" smtClean="0"/>
+              <a:t>Talk about the design of the website</a:t>
+            </a:r>
+          </a:p>
+          <a:p>
+            <a:pPr>
+              <a:buFontTx/>
+              <a:buChar char="-"/>
+            </a:pPr>
+            <a:r>
+              <a:rPr lang="en-GB" dirty="0" smtClean="0"/>
+              <a:t>More subjects included in the website</a:t>
+            </a:r>
+          </a:p>
+          <a:p>
+            <a:pPr>
+              <a:buFontTx/>
+              <a:buChar char="-"/>
+            </a:pPr>
+            <a:r>
+              <a:rPr lang="en-GB" dirty="0" smtClean="0"/>
+              <a:t>Include a section for revision advice</a:t>
+            </a:r>
+          </a:p>
+          <a:p>
+            <a:pPr>
+              <a:buFontTx/>
+              <a:buChar char="-"/>
+            </a:pPr>
+            <a:r>
+              <a:rPr lang="en-GB" dirty="0" smtClean="0"/>
+              <a:t>Add more complex scripts to the website</a:t>
+            </a:r>
+            <a:endParaRPr lang="en-GB" dirty="0"/>
+          </a:p>
+        </p:txBody>
+      </p:sp>
+    </p:spTree>
+    <p:extLst>
+      <p:ext uri="{BB962C8B-B14F-4D97-AF65-F5344CB8AC3E}">
+        <p14:creationId xmlns:p14="http://schemas.microsoft.com/office/powerpoint/2010/main" val="367527190"/>
       </p:ext>
     </p:extLst>
   </p:cSld>
@@ -12719,7 +13124,12 @@
             <p:ph type="title"/>
           </p:nvPr>
         </p:nvSpPr>
-        <p:spPr/>
+        <p:spPr>
+          <a:xfrm>
+            <a:off x="1162842" y="444731"/>
+            <a:ext cx="10018713" cy="1752599"/>
+          </a:xfrm>
+        </p:spPr>
         <p:txBody>
           <a:bodyPr/>
           <a:lstStyle/>
@@ -12733,64 +13143,84 @@
       </p:sp>
       <p:sp>
         <p:nvSpPr>
-          <p:cNvPr id="3" name="Content Placeholder 2">
-            <a:extLst>
-              <a:ext uri="{FF2B5EF4-FFF2-40B4-BE49-F238E27FC236}">
-                <a16:creationId xmlns:a16="http://schemas.microsoft.com/office/drawing/2014/main" id="{FEC28FF6-305F-4BF4-B970-CCEA6530082E}"/>
-              </a:ext>
-            </a:extLst>
-          </p:cNvPr>
-          <p:cNvSpPr>
-            <a:spLocks noGrp="1"/>
-          </p:cNvSpPr>
-          <p:nvPr>
-            <p:ph idx="1"/>
-          </p:nvPr>
+          <p:cNvPr id="5" name="TextBox 4"/>
+          <p:cNvSpPr txBox="1"/>
+          <p:nvPr/>
         </p:nvSpPr>
         <p:spPr>
           <a:xfrm>
-            <a:off x="1484310" y="2438398"/>
-            <a:ext cx="10018713" cy="3276000"/>
+            <a:off x="1753983" y="2089264"/>
+            <a:ext cx="8836429" cy="3483033"/>
           </a:xfrm>
+          <a:prstGeom prst="rect">
+            <a:avLst/>
+          </a:prstGeom>
+          <a:noFill/>
         </p:spPr>
         <p:txBody>
-          <a:bodyPr/>
-          <a:lstStyle/>
-          <a:p>
-            <a:pPr marL="0" indent="0">
-              <a:buNone/>
+          <a:bodyPr wrap="square" rtlCol="0">
+            <a:spAutoFit/>
+          </a:bodyPr>
+          <a:lstStyle/>
+          <a:p>
+            <a:r>
+              <a:rPr lang="en-GB" dirty="0" smtClean="0"/>
+              <a:t>The idea of making a website has always been in my head. I find them really mysterious, but interesting at the same time, which it makes it the perfect topic to do an EPQ on it.</a:t>
+            </a:r>
+          </a:p>
+          <a:p>
+            <a:r>
+              <a:rPr lang="en-GB" dirty="0" smtClean="0"/>
+              <a:t>When deciding about the type of website that I was going to build, I thought about different ideas and topics that would be both easy and relatable to me as a student, such as:</a:t>
+            </a:r>
+          </a:p>
+          <a:p>
+            <a:endParaRPr lang="en-GB" sz="600" dirty="0" smtClean="0"/>
+          </a:p>
+          <a:p>
+            <a:pPr marL="285750" indent="-285750">
+              <a:buFontTx/>
+              <a:buChar char="-"/>
             </a:pPr>
             <a:r>
-              <a:rPr lang="en-GB" dirty="0"/>
-              <a:t>Bullet points (to be improved) </a:t>
-            </a:r>
-          </a:p>
-          <a:p>
-            <a:pPr marL="0" indent="0">
-              <a:buNone/>
+              <a:rPr lang="en-GB" dirty="0" smtClean="0"/>
+              <a:t>A website with simple games created by me. This idea was scrapped due to how time consuming it could have been.</a:t>
+            </a:r>
+          </a:p>
+          <a:p>
+            <a:pPr marL="285750" indent="-285750">
+              <a:buFontTx/>
+              <a:buChar char="-"/>
             </a:pPr>
             <a:r>
-              <a:rPr lang="en-GB" dirty="0"/>
-              <a:t>- Talk about eh different project ideas</a:t>
-            </a:r>
-          </a:p>
-          <a:p>
-            <a:pPr marL="0" indent="0">
-              <a:buNone/>
+              <a:rPr lang="en-GB" dirty="0" smtClean="0"/>
+              <a:t>A website/online-shop that advertised on-demand products that are being sold in amazon or </a:t>
+            </a:r>
+            <a:r>
+              <a:rPr lang="en-GB" dirty="0" err="1" smtClean="0"/>
+              <a:t>ebay</a:t>
+            </a:r>
+            <a:r>
+              <a:rPr lang="en-GB" dirty="0" smtClean="0"/>
+              <a:t>. I decided not to proceed with this idea as I don’t know how to manipulate API’s at this level.</a:t>
+            </a:r>
+          </a:p>
+          <a:p>
+            <a:pPr marL="285750" indent="-285750">
+              <a:buFontTx/>
+              <a:buChar char="-"/>
             </a:pPr>
             <a:r>
-              <a:rPr lang="en-GB" dirty="0"/>
-              <a:t>- Why a GCSE revision website?</a:t>
-            </a:r>
-          </a:p>
-          <a:p>
-            <a:pPr marL="0" indent="0">
-              <a:buNone/>
+              <a:rPr lang="en-GB" dirty="0" smtClean="0"/>
+              <a:t>A website with revision material for GCSE students. I went for this choice as it is something that I know a lot about and it’s highly relatable to me.</a:t>
+            </a:r>
+          </a:p>
+          <a:p>
+            <a:pPr marL="285750" indent="-285750">
+              <a:buFontTx/>
+              <a:buChar char="-"/>
             </a:pPr>
-            <a:r>
-              <a:rPr lang="en-GB" dirty="0"/>
-              <a:t>- What other topics could have been done.</a:t>
-            </a:r>
+            <a:endParaRPr lang="en-GB" dirty="0"/>
           </a:p>
         </p:txBody>
       </p:sp>
@@ -12854,52 +13284,132 @@
       </p:sp>
       <p:sp>
         <p:nvSpPr>
-          <p:cNvPr id="3" name="Content Placeholder 2">
-            <a:extLst>
-              <a:ext uri="{FF2B5EF4-FFF2-40B4-BE49-F238E27FC236}">
-                <a16:creationId xmlns:a16="http://schemas.microsoft.com/office/drawing/2014/main" id="{2A71D554-B81D-425D-8522-463724C2266B}"/>
-              </a:ext>
-            </a:extLst>
-          </p:cNvPr>
-          <p:cNvSpPr>
-            <a:spLocks noGrp="1"/>
-          </p:cNvSpPr>
-          <p:nvPr>
-            <p:ph idx="1"/>
-          </p:nvPr>
-        </p:nvSpPr>
-        <p:spPr/>
-        <p:txBody>
-          <a:bodyPr/>
-          <a:lstStyle/>
-          <a:p>
-            <a:pPr marL="0" indent="0">
-              <a:buNone/>
+          <p:cNvPr id="5" name="TextBox 4"/>
+          <p:cNvSpPr txBox="1"/>
+          <p:nvPr/>
+        </p:nvSpPr>
+        <p:spPr>
+          <a:xfrm>
+            <a:off x="1581784" y="2261059"/>
+            <a:ext cx="9326880" cy="4062651"/>
+          </a:xfrm>
+          <a:prstGeom prst="rect">
+            <a:avLst/>
+          </a:prstGeom>
+          <a:noFill/>
+        </p:spPr>
+        <p:txBody>
+          <a:bodyPr wrap="square" rtlCol="0">
+            <a:spAutoFit/>
+          </a:bodyPr>
+          <a:lstStyle/>
+          <a:p>
+            <a:r>
+              <a:rPr lang="en-GB" dirty="0"/>
+              <a:t>One of the most integral aspects of web development is web programming that is achieved with the help of programming languages. Web development languages are the platforms through which instructions are communicated to a machine and actions are pursued</a:t>
+            </a:r>
+            <a:r>
+              <a:rPr lang="en-GB" dirty="0" smtClean="0"/>
+              <a:t>. The main programming languages that I chose to create my program are:</a:t>
+            </a:r>
+          </a:p>
+          <a:p>
+            <a:endParaRPr lang="en-GB" sz="600" dirty="0" smtClean="0"/>
+          </a:p>
+          <a:p>
+            <a:pPr marL="285750" indent="-285750">
+              <a:buFont typeface="Wingdings" panose="05000000000000000000" pitchFamily="2" charset="2"/>
+              <a:buChar char="§"/>
             </a:pPr>
             <a:r>
+              <a:rPr lang="en-GB" dirty="0" smtClean="0"/>
+              <a:t>HTML </a:t>
+            </a:r>
+            <a:r>
               <a:rPr lang="en-GB" dirty="0"/>
-              <a:t>Bullet points (to be improved) </a:t>
-            </a:r>
-          </a:p>
-          <a:p>
-            <a:pPr>
-              <a:buFontTx/>
-              <a:buChar char="-"/>
+              <a:t>- this is the scripting language of the web used to define structure of a website.</a:t>
+            </a:r>
+          </a:p>
+          <a:p>
+            <a:pPr marL="285750" indent="-285750">
+              <a:buFont typeface="Wingdings" panose="05000000000000000000" pitchFamily="2" charset="2"/>
+              <a:buChar char="§"/>
             </a:pPr>
             <a:r>
+              <a:rPr lang="en-GB" dirty="0" smtClean="0"/>
+              <a:t>CSS </a:t>
+            </a:r>
+            <a:r>
               <a:rPr lang="en-GB" dirty="0"/>
-              <a:t>HTML and CSS are obligatory </a:t>
-            </a:r>
-          </a:p>
-          <a:p>
-            <a:pPr>
-              <a:buFontTx/>
-              <a:buChar char="-"/>
+              <a:t>- this is the design and layout language used on the web to turn your website from an </a:t>
+            </a:r>
+            <a:r>
+              <a:rPr lang="en-GB" dirty="0" smtClean="0"/>
+              <a:t>   empty </a:t>
+            </a:r>
+            <a:r>
+              <a:rPr lang="en-GB" dirty="0"/>
+              <a:t>frame </a:t>
+            </a:r>
+            <a:r>
+              <a:rPr lang="en-GB" dirty="0" smtClean="0"/>
+              <a:t>into </a:t>
+            </a:r>
+            <a:r>
+              <a:rPr lang="en-GB" dirty="0"/>
+              <a:t>something pretty and well laid out.</a:t>
+            </a:r>
+          </a:p>
+          <a:p>
+            <a:pPr marL="285750" indent="-285750">
+              <a:buFont typeface="Wingdings" panose="05000000000000000000" pitchFamily="2" charset="2"/>
+              <a:buChar char="§"/>
             </a:pPr>
             <a:r>
+              <a:rPr lang="en-GB" dirty="0" smtClean="0"/>
+              <a:t>JavaScript</a:t>
+            </a:r>
+            <a:r>
               <a:rPr lang="en-GB" dirty="0"/>
-              <a:t>Why did I use Bootstrap? Benefits and contributions.</a:t>
-            </a:r>
+              <a:t>/ jQuery - this adds animations, or improved user experience elements to your website. Sliders, menu navigation, animations, </a:t>
+            </a:r>
+            <a:r>
+              <a:rPr lang="en-GB" dirty="0" err="1"/>
+              <a:t>etc</a:t>
+            </a:r>
+            <a:r>
+              <a:rPr lang="en-GB" dirty="0"/>
+              <a:t> will require JavaScript. You can also use jQuery which is a library built on top of JavaScript to make a few things easier</a:t>
+            </a:r>
+            <a:r>
+              <a:rPr lang="en-GB" dirty="0" smtClean="0"/>
+              <a:t>.</a:t>
+            </a:r>
+          </a:p>
+          <a:p>
+            <a:pPr marL="285750" indent="-285750">
+              <a:buFont typeface="Wingdings" panose="05000000000000000000" pitchFamily="2" charset="2"/>
+              <a:buChar char="§"/>
+            </a:pPr>
+            <a:r>
+              <a:rPr lang="en-GB" dirty="0" smtClean="0"/>
+              <a:t>Bootstrap: </a:t>
+            </a:r>
+            <a:r>
+              <a:rPr lang="en-GB" dirty="0"/>
+              <a:t>is a framework to help you design websites faster and easier. It includes HTML and CSS based design templates for </a:t>
+            </a:r>
+            <a:r>
+              <a:rPr lang="en-GB" dirty="0" smtClean="0"/>
+              <a:t>buttons, navigation, </a:t>
+            </a:r>
+            <a:r>
+              <a:rPr lang="en-GB" dirty="0"/>
+              <a:t>image carousels, etc. It also gives you support for JavaScript plugins.</a:t>
+            </a:r>
+          </a:p>
+          <a:p>
+            <a:endParaRPr lang="en-GB" dirty="0"/>
           </a:p>
         </p:txBody>
       </p:sp>
@@ -13556,7 +14066,49 @@
           <a:bodyPr/>
           <a:lstStyle/>
           <a:p>
-            <a:endParaRPr lang="en-GB"/>
+            <a:pPr marL="0" indent="0">
+              <a:buNone/>
+            </a:pPr>
+            <a:r>
+              <a:rPr lang="en-GB" dirty="0"/>
+              <a:t>Bullet points (to be improved) </a:t>
+            </a:r>
+          </a:p>
+          <a:p>
+            <a:pPr marL="0" indent="0">
+              <a:buNone/>
+            </a:pPr>
+            <a:r>
+              <a:rPr lang="en-GB" dirty="0" smtClean="0"/>
+              <a:t>- Did I create them or did I get the from a third party?</a:t>
+            </a:r>
+          </a:p>
+          <a:p>
+            <a:pPr marL="0" indent="0">
+              <a:buNone/>
+            </a:pPr>
+            <a:r>
+              <a:rPr lang="en-GB" dirty="0" smtClean="0"/>
+              <a:t>- Did I meet the copyright requirements</a:t>
+            </a:r>
+          </a:p>
+          <a:p>
+            <a:pPr marL="0" indent="0">
+              <a:buNone/>
+            </a:pPr>
+            <a:r>
+              <a:rPr lang="en-GB" dirty="0" smtClean="0"/>
+              <a:t>- How do the images benefit the website</a:t>
+            </a:r>
+          </a:p>
+          <a:p>
+            <a:pPr marL="0" indent="0">
+              <a:buNone/>
+            </a:pPr>
+            <a:r>
+              <a:rPr lang="en-GB" dirty="0" smtClean="0"/>
+              <a:t>- What are the other choices of images</a:t>
+            </a:r>
           </a:p>
         </p:txBody>
       </p:sp>

--- a/Documents/Official Documents/Development Presentation.pptx
+++ b/Documents/Official Documents/Development Presentation.pptx
@@ -314,7 +314,7 @@
           <a:p>
             <a:fld id="{59C13FFA-297C-4366-86F1-A0B9E1C86535}" type="datetimeFigureOut">
               <a:rPr lang="en-GB" smtClean="0"/>
-              <a:t>08/11/2018</a:t>
+              <a:t>12/11/2018</a:t>
             </a:fld>
             <a:endParaRPr lang="en-GB"/>
           </a:p>
@@ -589,7 +589,7 @@
           <a:p>
             <a:fld id="{59C13FFA-297C-4366-86F1-A0B9E1C86535}" type="datetimeFigureOut">
               <a:rPr lang="en-GB" smtClean="0"/>
-              <a:t>08/11/2018</a:t>
+              <a:t>12/11/2018</a:t>
             </a:fld>
             <a:endParaRPr lang="en-GB"/>
           </a:p>
@@ -783,7 +783,7 @@
           <a:p>
             <a:fld id="{59C13FFA-297C-4366-86F1-A0B9E1C86535}" type="datetimeFigureOut">
               <a:rPr lang="en-GB" smtClean="0"/>
-              <a:t>08/11/2018</a:t>
+              <a:t>12/11/2018</a:t>
             </a:fld>
             <a:endParaRPr lang="en-GB"/>
           </a:p>
@@ -1056,7 +1056,7 @@
           <a:p>
             <a:fld id="{59C13FFA-297C-4366-86F1-A0B9E1C86535}" type="datetimeFigureOut">
               <a:rPr lang="en-GB" smtClean="0"/>
-              <a:t>08/11/2018</a:t>
+              <a:t>12/11/2018</a:t>
             </a:fld>
             <a:endParaRPr lang="en-GB"/>
           </a:p>
@@ -1397,7 +1397,7 @@
           <a:p>
             <a:fld id="{59C13FFA-297C-4366-86F1-A0B9E1C86535}" type="datetimeFigureOut">
               <a:rPr lang="en-GB" smtClean="0"/>
-              <a:t>08/11/2018</a:t>
+              <a:t>12/11/2018</a:t>
             </a:fld>
             <a:endParaRPr lang="en-GB"/>
           </a:p>
@@ -2020,7 +2020,7 @@
           <a:p>
             <a:fld id="{59C13FFA-297C-4366-86F1-A0B9E1C86535}" type="datetimeFigureOut">
               <a:rPr lang="en-GB" smtClean="0"/>
-              <a:t>08/11/2018</a:t>
+              <a:t>12/11/2018</a:t>
             </a:fld>
             <a:endParaRPr lang="en-GB"/>
           </a:p>
@@ -2880,7 +2880,7 @@
           <a:p>
             <a:fld id="{59C13FFA-297C-4366-86F1-A0B9E1C86535}" type="datetimeFigureOut">
               <a:rPr lang="en-GB" smtClean="0"/>
-              <a:t>08/11/2018</a:t>
+              <a:t>12/11/2018</a:t>
             </a:fld>
             <a:endParaRPr lang="en-GB"/>
           </a:p>
@@ -3050,7 +3050,7 @@
           <a:p>
             <a:fld id="{59C13FFA-297C-4366-86F1-A0B9E1C86535}" type="datetimeFigureOut">
               <a:rPr lang="en-GB" smtClean="0"/>
-              <a:t>08/11/2018</a:t>
+              <a:t>12/11/2018</a:t>
             </a:fld>
             <a:endParaRPr lang="en-GB"/>
           </a:p>
@@ -3230,7 +3230,7 @@
           <a:p>
             <a:fld id="{59C13FFA-297C-4366-86F1-A0B9E1C86535}" type="datetimeFigureOut">
               <a:rPr lang="en-GB" smtClean="0"/>
-              <a:t>08/11/2018</a:t>
+              <a:t>12/11/2018</a:t>
             </a:fld>
             <a:endParaRPr lang="en-GB"/>
           </a:p>
@@ -3793,7 +3793,7 @@
           <a:p>
             <a:fld id="{59C13FFA-297C-4366-86F1-A0B9E1C86535}" type="datetimeFigureOut">
               <a:rPr lang="en-GB" smtClean="0"/>
-              <a:t>08/11/2018</a:t>
+              <a:t>12/11/2018</a:t>
             </a:fld>
             <a:endParaRPr lang="en-GB"/>
           </a:p>
@@ -3968,7 +3968,7 @@
           <a:p>
             <a:fld id="{59C13FFA-297C-4366-86F1-A0B9E1C86535}" type="datetimeFigureOut">
               <a:rPr lang="en-GB" smtClean="0"/>
-              <a:t>08/11/2018</a:t>
+              <a:t>12/11/2018</a:t>
             </a:fld>
             <a:endParaRPr lang="en-GB"/>
           </a:p>
@@ -4143,7 +4143,7 @@
           <a:p>
             <a:fld id="{59C13FFA-297C-4366-86F1-A0B9E1C86535}" type="datetimeFigureOut">
               <a:rPr lang="en-GB" smtClean="0"/>
-              <a:t>08/11/2018</a:t>
+              <a:t>12/11/2018</a:t>
             </a:fld>
             <a:endParaRPr lang="en-GB"/>
           </a:p>
@@ -4389,7 +4389,7 @@
           <a:p>
             <a:fld id="{59C13FFA-297C-4366-86F1-A0B9E1C86535}" type="datetimeFigureOut">
               <a:rPr lang="en-GB" smtClean="0"/>
-              <a:t>08/11/2018</a:t>
+              <a:t>12/11/2018</a:t>
             </a:fld>
             <a:endParaRPr lang="en-GB"/>
           </a:p>
@@ -4686,7 +4686,7 @@
           <a:p>
             <a:fld id="{59C13FFA-297C-4366-86F1-A0B9E1C86535}" type="datetimeFigureOut">
               <a:rPr lang="en-GB" smtClean="0"/>
-              <a:t>08/11/2018</a:t>
+              <a:t>12/11/2018</a:t>
             </a:fld>
             <a:endParaRPr lang="en-GB"/>
           </a:p>
@@ -5128,7 +5128,7 @@
           <a:p>
             <a:fld id="{59C13FFA-297C-4366-86F1-A0B9E1C86535}" type="datetimeFigureOut">
               <a:rPr lang="en-GB" smtClean="0"/>
-              <a:t>08/11/2018</a:t>
+              <a:t>12/11/2018</a:t>
             </a:fld>
             <a:endParaRPr lang="en-GB"/>
           </a:p>
@@ -5246,7 +5246,7 @@
           <a:p>
             <a:fld id="{59C13FFA-297C-4366-86F1-A0B9E1C86535}" type="datetimeFigureOut">
               <a:rPr lang="en-GB" smtClean="0"/>
-              <a:t>08/11/2018</a:t>
+              <a:t>12/11/2018</a:t>
             </a:fld>
             <a:endParaRPr lang="en-GB"/>
           </a:p>
@@ -5341,7 +5341,7 @@
           <a:p>
             <a:fld id="{59C13FFA-297C-4366-86F1-A0B9E1C86535}" type="datetimeFigureOut">
               <a:rPr lang="en-GB" smtClean="0"/>
-              <a:t>08/11/2018</a:t>
+              <a:t>12/11/2018</a:t>
             </a:fld>
             <a:endParaRPr lang="en-GB"/>
           </a:p>
@@ -5624,7 +5624,7 @@
           <a:p>
             <a:fld id="{59C13FFA-297C-4366-86F1-A0B9E1C86535}" type="datetimeFigureOut">
               <a:rPr lang="en-GB" smtClean="0"/>
-              <a:t>08/11/2018</a:t>
+              <a:t>12/11/2018</a:t>
             </a:fld>
             <a:endParaRPr lang="en-GB"/>
           </a:p>
@@ -5915,7 +5915,7 @@
           <a:p>
             <a:fld id="{59C13FFA-297C-4366-86F1-A0B9E1C86535}" type="datetimeFigureOut">
               <a:rPr lang="en-GB" smtClean="0"/>
-              <a:t>08/11/2018</a:t>
+              <a:t>12/11/2018</a:t>
             </a:fld>
             <a:endParaRPr lang="en-GB"/>
           </a:p>
@@ -6206,7 +6206,7 @@
           <a:p>
             <a:fld id="{59C13FFA-297C-4366-86F1-A0B9E1C86535}" type="datetimeFigureOut">
               <a:rPr lang="en-GB" smtClean="0"/>
-              <a:t>08/11/2018</a:t>
+              <a:t>12/11/2018</a:t>
             </a:fld>
             <a:endParaRPr lang="en-GB"/>
           </a:p>
@@ -6454,7 +6454,7 @@
           <a:p>
             <a:fld id="{59C13FFA-297C-4366-86F1-A0B9E1C86535}" type="datetimeFigureOut">
               <a:rPr lang="en-GB" smtClean="0"/>
-              <a:t>08/11/2018</a:t>
+              <a:t>12/11/2018</a:t>
             </a:fld>
             <a:endParaRPr lang="en-GB"/>
           </a:p>
@@ -6994,7 +6994,7 @@
           <a:p>
             <a:fld id="{59C13FFA-297C-4366-86F1-A0B9E1C86535}" type="datetimeFigureOut">
               <a:rPr lang="en-GB" smtClean="0"/>
-              <a:t>08/11/2018</a:t>
+              <a:t>12/11/2018</a:t>
             </a:fld>
             <a:endParaRPr lang="en-GB"/>
           </a:p>
@@ -7241,7 +7241,7 @@
           <a:p>
             <a:fld id="{59C13FFA-297C-4366-86F1-A0B9E1C86535}" type="datetimeFigureOut">
               <a:rPr lang="en-GB" smtClean="0"/>
-              <a:t>08/11/2018</a:t>
+              <a:t>12/11/2018</a:t>
             </a:fld>
             <a:endParaRPr lang="en-GB"/>
           </a:p>
@@ -7489,7 +7489,7 @@
           <a:p>
             <a:fld id="{59C13FFA-297C-4366-86F1-A0B9E1C86535}" type="datetimeFigureOut">
               <a:rPr lang="en-GB" smtClean="0"/>
-              <a:t>08/11/2018</a:t>
+              <a:t>12/11/2018</a:t>
             </a:fld>
             <a:endParaRPr lang="en-GB"/>
           </a:p>
@@ -8021,7 +8021,7 @@
           <a:p>
             <a:fld id="{59C13FFA-297C-4366-86F1-A0B9E1C86535}" type="datetimeFigureOut">
               <a:rPr lang="en-GB" smtClean="0"/>
-              <a:t>08/11/2018</a:t>
+              <a:t>12/11/2018</a:t>
             </a:fld>
             <a:endParaRPr lang="en-GB"/>
           </a:p>
@@ -8318,7 +8318,7 @@
           <a:p>
             <a:fld id="{59C13FFA-297C-4366-86F1-A0B9E1C86535}" type="datetimeFigureOut">
               <a:rPr lang="en-GB" smtClean="0"/>
-              <a:t>08/11/2018</a:t>
+              <a:t>12/11/2018</a:t>
             </a:fld>
             <a:endParaRPr lang="en-GB"/>
           </a:p>
@@ -8492,7 +8492,7 @@
           <a:p>
             <a:fld id="{59C13FFA-297C-4366-86F1-A0B9E1C86535}" type="datetimeFigureOut">
               <a:rPr lang="en-GB" smtClean="0"/>
-              <a:t>08/11/2018</a:t>
+              <a:t>12/11/2018</a:t>
             </a:fld>
             <a:endParaRPr lang="en-GB"/>
           </a:p>
@@ -8672,7 +8672,7 @@
           <a:p>
             <a:fld id="{59C13FFA-297C-4366-86F1-A0B9E1C86535}" type="datetimeFigureOut">
               <a:rPr lang="en-GB" smtClean="0"/>
-              <a:t>08/11/2018</a:t>
+              <a:t>12/11/2018</a:t>
             </a:fld>
             <a:endParaRPr lang="en-GB"/>
           </a:p>
@@ -8964,7 +8964,7 @@
           <a:p>
             <a:fld id="{59C13FFA-297C-4366-86F1-A0B9E1C86535}" type="datetimeFigureOut">
               <a:rPr lang="en-GB" smtClean="0"/>
-              <a:t>08/11/2018</a:t>
+              <a:t>12/11/2018</a:t>
             </a:fld>
             <a:endParaRPr lang="en-GB"/>
           </a:p>
@@ -9408,7 +9408,7 @@
           <a:p>
             <a:fld id="{59C13FFA-297C-4366-86F1-A0B9E1C86535}" type="datetimeFigureOut">
               <a:rPr lang="en-GB" smtClean="0"/>
-              <a:t>08/11/2018</a:t>
+              <a:t>12/11/2018</a:t>
             </a:fld>
             <a:endParaRPr lang="en-GB"/>
           </a:p>
@@ -9526,7 +9526,7 @@
           <a:p>
             <a:fld id="{59C13FFA-297C-4366-86F1-A0B9E1C86535}" type="datetimeFigureOut">
               <a:rPr lang="en-GB" smtClean="0"/>
-              <a:t>08/11/2018</a:t>
+              <a:t>12/11/2018</a:t>
             </a:fld>
             <a:endParaRPr lang="en-GB"/>
           </a:p>
@@ -9621,7 +9621,7 @@
           <a:p>
             <a:fld id="{59C13FFA-297C-4366-86F1-A0B9E1C86535}" type="datetimeFigureOut">
               <a:rPr lang="en-GB" smtClean="0"/>
-              <a:t>08/11/2018</a:t>
+              <a:t>12/11/2018</a:t>
             </a:fld>
             <a:endParaRPr lang="en-GB"/>
           </a:p>
@@ -9900,7 +9900,7 @@
           <a:p>
             <a:fld id="{59C13FFA-297C-4366-86F1-A0B9E1C86535}" type="datetimeFigureOut">
               <a:rPr lang="en-GB" smtClean="0"/>
-              <a:t>08/11/2018</a:t>
+              <a:t>12/11/2018</a:t>
             </a:fld>
             <a:endParaRPr lang="en-GB"/>
           </a:p>
@@ -10175,7 +10175,7 @@
           <a:p>
             <a:fld id="{59C13FFA-297C-4366-86F1-A0B9E1C86535}" type="datetimeFigureOut">
               <a:rPr lang="en-GB" smtClean="0"/>
-              <a:t>08/11/2018</a:t>
+              <a:t>12/11/2018</a:t>
             </a:fld>
             <a:endParaRPr lang="en-GB"/>
           </a:p>
@@ -10604,7 +10604,7 @@
           <a:p>
             <a:fld id="{59C13FFA-297C-4366-86F1-A0B9E1C86535}" type="datetimeFigureOut">
               <a:rPr lang="en-GB" smtClean="0"/>
-              <a:t>08/11/2018</a:t>
+              <a:t>12/11/2018</a:t>
             </a:fld>
             <a:endParaRPr lang="en-GB"/>
           </a:p>
@@ -11584,7 +11584,7 @@
           <a:p>
             <a:fld id="{59C13FFA-297C-4366-86F1-A0B9E1C86535}" type="datetimeFigureOut">
               <a:rPr lang="en-GB" smtClean="0"/>
-              <a:t>08/11/2018</a:t>
+              <a:t>12/11/2018</a:t>
             </a:fld>
             <a:endParaRPr lang="en-GB"/>
           </a:p>
@@ -12274,15 +12274,7 @@
             </a:pPr>
             <a:r>
               <a:rPr lang="en-GB" dirty="0"/>
-              <a:t>- </a:t>
-            </a:r>
-            <a:r>
-              <a:rPr lang="en-GB" dirty="0" smtClean="0"/>
-              <a:t>Did </a:t>
-            </a:r>
-            <a:r>
-              <a:rPr lang="en-GB" dirty="0"/>
-              <a:t>I create them or did I get the from a third party?</a:t>
+              <a:t>- Did I create them or did I get the from a third party?</a:t>
             </a:r>
           </a:p>
           <a:p>
@@ -12544,7 +12536,7 @@
               <a:buChar char="-"/>
             </a:pPr>
             <a:r>
-              <a:rPr lang="en-GB" dirty="0" smtClean="0"/>
+              <a:rPr lang="en-GB" dirty="0"/>
               <a:t>What was the type of content that I was searching for?</a:t>
             </a:r>
           </a:p>
@@ -12554,7 +12546,7 @@
               <a:buChar char="-"/>
             </a:pPr>
             <a:r>
-              <a:rPr lang="en-GB" dirty="0" smtClean="0"/>
+              <a:rPr lang="en-GB" dirty="0"/>
               <a:t>Where did I get the content from</a:t>
             </a:r>
           </a:p>
@@ -12564,7 +12556,7 @@
               <a:buChar char="-"/>
             </a:pPr>
             <a:r>
-              <a:rPr lang="en-GB" dirty="0" smtClean="0"/>
+              <a:rPr lang="en-GB" dirty="0"/>
               <a:t>Any copyright issues?</a:t>
             </a:r>
           </a:p>
@@ -12574,10 +12566,9 @@
               <a:buChar char="-"/>
             </a:pPr>
             <a:r>
-              <a:rPr lang="en-GB" dirty="0" smtClean="0"/>
+              <a:rPr lang="en-GB" dirty="0"/>
               <a:t>Other pages I could have chose from</a:t>
             </a:r>
-            <a:endParaRPr lang="en-GB" dirty="0"/>
           </a:p>
         </p:txBody>
       </p:sp>
@@ -12674,7 +12665,7 @@
               <a:buChar char="-"/>
             </a:pPr>
             <a:r>
-              <a:rPr lang="en-GB" dirty="0" smtClean="0"/>
+              <a:rPr lang="en-GB" dirty="0"/>
               <a:t>How did I create it?</a:t>
             </a:r>
           </a:p>
@@ -12684,7 +12675,7 @@
               <a:buChar char="-"/>
             </a:pPr>
             <a:r>
-              <a:rPr lang="en-GB" dirty="0" smtClean="0"/>
+              <a:rPr lang="en-GB" dirty="0"/>
               <a:t>Discuss the different designs for it</a:t>
             </a:r>
           </a:p>
@@ -12694,7 +12685,7 @@
               <a:buChar char="-"/>
             </a:pPr>
             <a:r>
-              <a:rPr lang="en-GB" dirty="0" smtClean="0"/>
+              <a:rPr lang="en-GB" dirty="0"/>
               <a:t>How does the logo fit the website</a:t>
             </a:r>
           </a:p>
@@ -12821,13 +12812,8 @@
             </a:pPr>
             <a:r>
               <a:rPr lang="en-GB" dirty="0"/>
-              <a:t>How does the </a:t>
-            </a:r>
-            <a:r>
-              <a:rPr lang="en-GB" dirty="0" smtClean="0"/>
-              <a:t>image fit the carousel</a:t>
-            </a:r>
-            <a:endParaRPr lang="en-GB" dirty="0"/>
+              <a:t>How does the image fit the carousel</a:t>
+            </a:r>
           </a:p>
         </p:txBody>
       </p:sp>
@@ -12924,7 +12910,7 @@
               <a:buChar char="-"/>
             </a:pPr>
             <a:r>
-              <a:rPr lang="en-GB" dirty="0" smtClean="0"/>
+              <a:rPr lang="en-GB" dirty="0"/>
               <a:t>Explain timing issues</a:t>
             </a:r>
           </a:p>
@@ -12934,7 +12920,7 @@
               <a:buChar char="-"/>
             </a:pPr>
             <a:r>
-              <a:rPr lang="en-GB" dirty="0" smtClean="0"/>
+              <a:rPr lang="en-GB" dirty="0"/>
               <a:t>What did I do to stick to the plan (to be on time for the deadline)</a:t>
             </a:r>
           </a:p>
@@ -12944,10 +12930,9 @@
               <a:buChar char="-"/>
             </a:pPr>
             <a:r>
-              <a:rPr lang="en-GB" dirty="0" smtClean="0"/>
+              <a:rPr lang="en-GB" dirty="0"/>
               <a:t>Did it benefit/hurt the website</a:t>
             </a:r>
-            <a:endParaRPr lang="en-GB" dirty="0"/>
           </a:p>
         </p:txBody>
       </p:sp>
@@ -12997,18 +12982,9 @@
           <a:lstStyle/>
           <a:p>
             <a:r>
-              <a:rPr lang="en-GB" dirty="0" smtClean="0"/>
-              <a:t>Areas that I could </a:t>
-            </a:r>
-            <a:r>
               <a:rPr lang="en-GB" dirty="0"/>
-              <a:t>i</a:t>
-            </a:r>
-            <a:r>
-              <a:rPr lang="en-GB" dirty="0" smtClean="0"/>
-              <a:t>mprove in </a:t>
-            </a:r>
-            <a:endParaRPr lang="en-GB" dirty="0"/>
+              <a:t>Areas that I could improve in </a:t>
+            </a:r>
           </a:p>
         </p:txBody>
       </p:sp>
@@ -13041,7 +13017,7 @@
               <a:buChar char="-"/>
             </a:pPr>
             <a:r>
-              <a:rPr lang="en-GB" dirty="0" smtClean="0"/>
+              <a:rPr lang="en-GB" dirty="0"/>
               <a:t>Talk about the design of the website</a:t>
             </a:r>
           </a:p>
@@ -13051,7 +13027,7 @@
               <a:buChar char="-"/>
             </a:pPr>
             <a:r>
-              <a:rPr lang="en-GB" dirty="0" smtClean="0"/>
+              <a:rPr lang="en-GB" dirty="0"/>
               <a:t>More subjects included in the website</a:t>
             </a:r>
           </a:p>
@@ -13061,7 +13037,7 @@
               <a:buChar char="-"/>
             </a:pPr>
             <a:r>
-              <a:rPr lang="en-GB" dirty="0" smtClean="0"/>
+              <a:rPr lang="en-GB" dirty="0"/>
               <a:t>Include a section for revision advice</a:t>
             </a:r>
           </a:p>
@@ -13071,10 +13047,9 @@
               <a:buChar char="-"/>
             </a:pPr>
             <a:r>
-              <a:rPr lang="en-GB" dirty="0" smtClean="0"/>
+              <a:rPr lang="en-GB" dirty="0"/>
               <a:t>Add more complex scripts to the website</a:t>
             </a:r>
-            <a:endParaRPr lang="en-GB" dirty="0"/>
           </a:p>
         </p:txBody>
       </p:sp>
@@ -13164,18 +13139,18 @@
           <a:lstStyle/>
           <a:p>
             <a:r>
-              <a:rPr lang="en-GB" dirty="0" smtClean="0"/>
+              <a:rPr lang="en-GB" dirty="0"/>
               <a:t>The idea of making a website has always been in my head. I find them really mysterious, but interesting at the same time, which it makes it the perfect topic to do an EPQ on it.</a:t>
             </a:r>
           </a:p>
           <a:p>
             <a:r>
-              <a:rPr lang="en-GB" dirty="0" smtClean="0"/>
+              <a:rPr lang="en-GB" dirty="0"/>
               <a:t>When deciding about the type of website that I was going to build, I thought about different ideas and topics that would be both easy and relatable to me as a student, such as:</a:t>
             </a:r>
           </a:p>
           <a:p>
-            <a:endParaRPr lang="en-GB" sz="600" dirty="0" smtClean="0"/>
+            <a:endParaRPr lang="en-GB" sz="600" dirty="0"/>
           </a:p>
           <a:p>
             <a:pPr marL="285750" indent="-285750">
@@ -13183,7 +13158,7 @@
               <a:buChar char="-"/>
             </a:pPr>
             <a:r>
-              <a:rPr lang="en-GB" dirty="0" smtClean="0"/>
+              <a:rPr lang="en-GB" dirty="0"/>
               <a:t>A website with simple games created by me. This idea was scrapped due to how time consuming it could have been.</a:t>
             </a:r>
           </a:p>
@@ -13193,15 +13168,15 @@
               <a:buChar char="-"/>
             </a:pPr>
             <a:r>
-              <a:rPr lang="en-GB" dirty="0" smtClean="0"/>
+              <a:rPr lang="en-GB" dirty="0"/>
               <a:t>A website/online-shop that advertised on-demand products that are being sold in amazon or </a:t>
             </a:r>
             <a:r>
-              <a:rPr lang="en-GB" dirty="0" err="1" smtClean="0"/>
+              <a:rPr lang="en-GB" dirty="0" err="1"/>
               <a:t>ebay</a:t>
             </a:r>
             <a:r>
-              <a:rPr lang="en-GB" dirty="0" smtClean="0"/>
+              <a:rPr lang="en-GB" dirty="0"/>
               <a:t>. I decided not to proceed with this idea as I don’t know how to manipulate API’s at this level.</a:t>
             </a:r>
           </a:p>
@@ -13211,7 +13186,7 @@
               <a:buChar char="-"/>
             </a:pPr>
             <a:r>
-              <a:rPr lang="en-GB" dirty="0" smtClean="0"/>
+              <a:rPr lang="en-GB" dirty="0"/>
               <a:t>A website with revision material for GCSE students. I went for this choice as it is something that I know a lot about and it’s highly relatable to me.</a:t>
             </a:r>
           </a:p>
@@ -13306,15 +13281,11 @@
           <a:p>
             <a:r>
               <a:rPr lang="en-GB" dirty="0"/>
-              <a:t>One of the most integral aspects of web development is web programming that is achieved with the help of programming languages. Web development languages are the platforms through which instructions are communicated to a machine and actions are pursued</a:t>
-            </a:r>
-            <a:r>
-              <a:rPr lang="en-GB" dirty="0" smtClean="0"/>
-              <a:t>. The main programming languages that I chose to create my program are:</a:t>
-            </a:r>
-          </a:p>
-          <a:p>
-            <a:endParaRPr lang="en-GB" sz="600" dirty="0" smtClean="0"/>
+              <a:t>One of the most integral aspects of web development is web programming that is achieved with the help of programming languages. Web development languages are the platforms through which instructions are communicated to a machine and actions are pursued. The main programming languages that I chose to create my program are:</a:t>
+            </a:r>
+          </a:p>
+          <a:p>
+            <a:endParaRPr lang="en-GB" sz="600" dirty="0"/>
           </a:p>
           <a:p>
             <a:pPr marL="285750" indent="-285750">
@@ -13322,12 +13293,8 @@
               <a:buChar char="§"/>
             </a:pPr>
             <a:r>
-              <a:rPr lang="en-GB" dirty="0" smtClean="0"/>
-              <a:t>HTML </a:t>
-            </a:r>
-            <a:r>
               <a:rPr lang="en-GB" dirty="0"/>
-              <a:t>- this is the scripting language of the web used to define structure of a website.</a:t>
+              <a:t>HTML - this is the scripting language of the web used to define structure of a website.</a:t>
             </a:r>
           </a:p>
           <a:p>
@@ -13336,28 +13303,8 @@
               <a:buChar char="§"/>
             </a:pPr>
             <a:r>
-              <a:rPr lang="en-GB" dirty="0" smtClean="0"/>
-              <a:t>CSS </a:t>
-            </a:r>
-            <a:r>
               <a:rPr lang="en-GB" dirty="0"/>
-              <a:t>- this is the design and layout language used on the web to turn your website from an </a:t>
-            </a:r>
-            <a:r>
-              <a:rPr lang="en-GB" dirty="0" smtClean="0"/>
-              <a:t>   empty </a:t>
-            </a:r>
-            <a:r>
-              <a:rPr lang="en-GB" dirty="0"/>
-              <a:t>frame </a:t>
-            </a:r>
-            <a:r>
-              <a:rPr lang="en-GB" dirty="0" smtClean="0"/>
-              <a:t>into </a:t>
-            </a:r>
-            <a:r>
-              <a:rPr lang="en-GB" dirty="0"/>
-              <a:t>something pretty and well laid out.</a:t>
+              <a:t>CSS - this is the design and layout language used on the web to turn your website from an    empty frame into something pretty and well laid out.</a:t>
             </a:r>
           </a:p>
           <a:p>
@@ -13366,12 +13313,8 @@
               <a:buChar char="§"/>
             </a:pPr>
             <a:r>
-              <a:rPr lang="en-GB" dirty="0" smtClean="0"/>
-              <a:t>JavaScript</a:t>
-            </a:r>
-            <a:r>
               <a:rPr lang="en-GB" dirty="0"/>
-              <a:t>/ jQuery - this adds animations, or improved user experience elements to your website. Sliders, menu navigation, animations, </a:t>
+              <a:t>JavaScript/ jQuery - this adds animations, or improved user experience elements to your website. Sliders, menu navigation, animations, </a:t>
             </a:r>
             <a:r>
               <a:rPr lang="en-GB" dirty="0" err="1"/>
@@ -13379,11 +13322,7 @@
             </a:r>
             <a:r>
               <a:rPr lang="en-GB" dirty="0"/>
-              <a:t> will require JavaScript. You can also use jQuery which is a library built on top of JavaScript to make a few things easier</a:t>
-            </a:r>
-            <a:r>
-              <a:rPr lang="en-GB" dirty="0" smtClean="0"/>
-              <a:t>.</a:t>
+              <a:t> will require JavaScript. You can also use jQuery which is a library built on top of JavaScript to make a few things easier.</a:t>
             </a:r>
           </a:p>
           <a:p>
@@ -13392,20 +13331,8 @@
               <a:buChar char="§"/>
             </a:pPr>
             <a:r>
-              <a:rPr lang="en-GB" dirty="0" smtClean="0"/>
-              <a:t>Bootstrap: </a:t>
-            </a:r>
-            <a:r>
               <a:rPr lang="en-GB" dirty="0"/>
-              <a:t>is a framework to help you design websites faster and easier. It includes HTML and CSS based design templates for </a:t>
-            </a:r>
-            <a:r>
-              <a:rPr lang="en-GB" dirty="0" smtClean="0"/>
-              <a:t>buttons, navigation, </a:t>
-            </a:r>
-            <a:r>
-              <a:rPr lang="en-GB" dirty="0"/>
-              <a:t>image carousels, etc. It also gives you support for JavaScript plugins.</a:t>
+              <a:t>Bootstrap - is a framework to help you design websites faster and easier. It includes HTML and CSS based design templates for buttons, navigation, image carousels, etc. It also gives you support for JavaScript plugins.</a:t>
             </a:r>
           </a:p>
           <a:p>
@@ -13473,61 +13400,67 @@
       </p:sp>
       <p:sp>
         <p:nvSpPr>
-          <p:cNvPr id="3" name="Content Placeholder 2">
+          <p:cNvPr id="4" name="TextBox 3">
             <a:extLst>
               <a:ext uri="{FF2B5EF4-FFF2-40B4-BE49-F238E27FC236}">
-                <a16:creationId xmlns:a16="http://schemas.microsoft.com/office/drawing/2014/main" id="{28AA6A2E-4994-4600-863D-55882C3D19FF}"/>
+                <a16:creationId xmlns:a16="http://schemas.microsoft.com/office/drawing/2014/main" id="{6D267BFF-D45D-4CB5-BBE0-A619E3FFAD29}"/>
               </a:ext>
             </a:extLst>
           </p:cNvPr>
-          <p:cNvSpPr>
-            <a:spLocks noGrp="1"/>
-          </p:cNvSpPr>
-          <p:nvPr>
-            <p:ph idx="1"/>
-          </p:nvPr>
-        </p:nvSpPr>
-        <p:spPr/>
-        <p:txBody>
-          <a:bodyPr/>
-          <a:lstStyle/>
-          <a:p>
-            <a:pPr marL="0" indent="0">
-              <a:buNone/>
+          <p:cNvSpPr txBox="1"/>
+          <p:nvPr/>
+        </p:nvSpPr>
+        <p:spPr>
+          <a:xfrm>
+            <a:off x="2176144" y="2143613"/>
+            <a:ext cx="9326880" cy="3847207"/>
+          </a:xfrm>
+          <a:prstGeom prst="rect">
+            <a:avLst/>
+          </a:prstGeom>
+          <a:noFill/>
+        </p:spPr>
+        <p:txBody>
+          <a:bodyPr wrap="square" rtlCol="0">
+            <a:spAutoFit/>
+          </a:bodyPr>
+          <a:lstStyle/>
+          <a:p>
+            <a:r>
+              <a:rPr lang="en-GB" dirty="0"/>
+              <a:t>Choosing a good text editor makes a big difference on many parts of the project, such as: efficiency when writing code, compatibility of the program and make programming easier by autocompleting repeating code. This are some of the text editors that are famous for their quality and performance:</a:t>
+            </a:r>
+          </a:p>
+          <a:p>
+            <a:endParaRPr lang="en-GB" sz="600" dirty="0"/>
+          </a:p>
+          <a:p>
+            <a:pPr marL="285750" indent="-285750">
+              <a:buFont typeface="Wingdings" panose="05000000000000000000" pitchFamily="2" charset="2"/>
+              <a:buChar char="§"/>
             </a:pPr>
             <a:r>
               <a:rPr lang="en-GB" dirty="0"/>
-              <a:t>Bullet points (to be improved) </a:t>
-            </a:r>
-          </a:p>
-          <a:p>
-            <a:pPr>
-              <a:buFontTx/>
-              <a:buChar char="-"/>
+              <a:t>Sublime-Text: Its interface is friendly so it is easy to use, it has a very good number of keyboard shortcuts that allows me to quickly access any program complement or perform any operation. This helps programmers to be more efficient when writing code.</a:t>
+            </a:r>
+          </a:p>
+          <a:p>
+            <a:pPr marL="285750" indent="-285750">
+              <a:buFont typeface="Wingdings" panose="05000000000000000000" pitchFamily="2" charset="2"/>
+              <a:buChar char="§"/>
             </a:pPr>
             <a:r>
               <a:rPr lang="en-GB" dirty="0"/>
-              <a:t>Different choices available in the market</a:t>
-            </a:r>
-          </a:p>
-          <a:p>
-            <a:pPr>
-              <a:buFontTx/>
-              <a:buChar char="-"/>
-            </a:pPr>
+              <a:t>Atom: atom is a free to use text editor that’s very beginner friendly. It has a lot of features that help users to write code such as integrated Developer Tools and Ui that’s easy to customize. This text editor is also well connected to GitHub, the platform that I use in order to organise myself when doing computer science project.</a:t>
+            </a:r>
+          </a:p>
+          <a:p>
+            <a:endParaRPr lang="en-GB" sz="400" dirty="0"/>
+          </a:p>
+          <a:p>
             <a:r>
               <a:rPr lang="en-GB" dirty="0"/>
-              <a:t>Why did I choose Atom</a:t>
-            </a:r>
-          </a:p>
-          <a:p>
-            <a:pPr>
-              <a:buFontTx/>
-              <a:buChar char="-"/>
-            </a:pPr>
-            <a:r>
-              <a:rPr lang="en-GB" dirty="0"/>
-              <a:t>What benefits did it bring to the table</a:t>
+              <a:t>For this project I chose to use Atom as my preferred text editor as it proves to be very useful and reliable when writing code, but also very easy to use.</a:t>
             </a:r>
           </a:p>
         </p:txBody>
@@ -13606,7 +13539,12 @@
             <p:ph idx="1"/>
           </p:nvPr>
         </p:nvSpPr>
-        <p:spPr/>
+        <p:spPr>
+          <a:xfrm>
+            <a:off x="8338115" y="-125835"/>
+            <a:ext cx="4074795" cy="2972499"/>
+          </a:xfrm>
+        </p:spPr>
         <p:txBody>
           <a:bodyPr/>
           <a:lstStyle/>
@@ -13647,6 +13585,48 @@
             <a:r>
               <a:rPr lang="en-GB" dirty="0"/>
               <a:t>Meaning behind the name</a:t>
+            </a:r>
+          </a:p>
+        </p:txBody>
+      </p:sp>
+      <p:sp>
+        <p:nvSpPr>
+          <p:cNvPr id="5" name="TextBox 4">
+            <a:extLst>
+              <a:ext uri="{FF2B5EF4-FFF2-40B4-BE49-F238E27FC236}">
+                <a16:creationId xmlns:a16="http://schemas.microsoft.com/office/drawing/2014/main" id="{9A6DC2B1-377E-422C-8BA4-C74631C3C145}"/>
+              </a:ext>
+            </a:extLst>
+          </p:cNvPr>
+          <p:cNvSpPr txBox="1"/>
+          <p:nvPr/>
+        </p:nvSpPr>
+        <p:spPr>
+          <a:xfrm>
+            <a:off x="2427813" y="2722453"/>
+            <a:ext cx="9326880" cy="1754326"/>
+          </a:xfrm>
+          <a:prstGeom prst="rect">
+            <a:avLst/>
+          </a:prstGeom>
+          <a:noFill/>
+        </p:spPr>
+        <p:txBody>
+          <a:bodyPr wrap="square" rtlCol="0">
+            <a:spAutoFit/>
+          </a:bodyPr>
+          <a:lstStyle/>
+          <a:p>
+            <a:r>
+              <a:rPr lang="en-GB" dirty="0"/>
+              <a:t>When choosing a website name, a business has to be very careful by what the name represents, as they wont be able to change it in the future. The name of the website is also required to be simple and good looking, so when a user sees it in another website, he/she will be incited to click on the link.</a:t>
+            </a:r>
+            <a:endParaRPr lang="en-GB" sz="600" dirty="0"/>
+          </a:p>
+          <a:p>
+            <a:r>
+              <a:rPr lang="en-GB" dirty="0"/>
+              <a:t>As the website is based on GCSE revision and is focused to young audiences, it means that the name of the website must contain some words that are familiar to teens. </a:t>
             </a:r>
           </a:p>
         </p:txBody>
@@ -14079,7 +14059,7 @@
               <a:buNone/>
             </a:pPr>
             <a:r>
-              <a:rPr lang="en-GB" dirty="0" smtClean="0"/>
+              <a:rPr lang="en-GB" dirty="0"/>
               <a:t>- Did I create them or did I get the from a third party?</a:t>
             </a:r>
           </a:p>
@@ -14088,7 +14068,7 @@
               <a:buNone/>
             </a:pPr>
             <a:r>
-              <a:rPr lang="en-GB" dirty="0" smtClean="0"/>
+              <a:rPr lang="en-GB" dirty="0"/>
               <a:t>- Did I meet the copyright requirements</a:t>
             </a:r>
           </a:p>
@@ -14097,7 +14077,7 @@
               <a:buNone/>
             </a:pPr>
             <a:r>
-              <a:rPr lang="en-GB" dirty="0" smtClean="0"/>
+              <a:rPr lang="en-GB" dirty="0"/>
               <a:t>- How do the images benefit the website</a:t>
             </a:r>
           </a:p>
@@ -14106,7 +14086,7 @@
               <a:buNone/>
             </a:pPr>
             <a:r>
-              <a:rPr lang="en-GB" dirty="0" smtClean="0"/>
+              <a:rPr lang="en-GB" dirty="0"/>
               <a:t>- What are the other choices of images</a:t>
             </a:r>
           </a:p>

--- a/Documents/Official Documents/Development Presentation.pptx
+++ b/Documents/Official Documents/Development Presentation.pptx
@@ -314,7 +314,7 @@
           <a:p>
             <a:fld id="{59C13FFA-297C-4366-86F1-A0B9E1C86535}" type="datetimeFigureOut">
               <a:rPr lang="en-GB" smtClean="0"/>
-              <a:t>12/11/2018</a:t>
+              <a:t>14/11/2018</a:t>
             </a:fld>
             <a:endParaRPr lang="en-GB"/>
           </a:p>
@@ -589,7 +589,7 @@
           <a:p>
             <a:fld id="{59C13FFA-297C-4366-86F1-A0B9E1C86535}" type="datetimeFigureOut">
               <a:rPr lang="en-GB" smtClean="0"/>
-              <a:t>12/11/2018</a:t>
+              <a:t>14/11/2018</a:t>
             </a:fld>
             <a:endParaRPr lang="en-GB"/>
           </a:p>
@@ -783,7 +783,7 @@
           <a:p>
             <a:fld id="{59C13FFA-297C-4366-86F1-A0B9E1C86535}" type="datetimeFigureOut">
               <a:rPr lang="en-GB" smtClean="0"/>
-              <a:t>12/11/2018</a:t>
+              <a:t>14/11/2018</a:t>
             </a:fld>
             <a:endParaRPr lang="en-GB"/>
           </a:p>
@@ -1056,7 +1056,7 @@
           <a:p>
             <a:fld id="{59C13FFA-297C-4366-86F1-A0B9E1C86535}" type="datetimeFigureOut">
               <a:rPr lang="en-GB" smtClean="0"/>
-              <a:t>12/11/2018</a:t>
+              <a:t>14/11/2018</a:t>
             </a:fld>
             <a:endParaRPr lang="en-GB"/>
           </a:p>
@@ -1397,7 +1397,7 @@
           <a:p>
             <a:fld id="{59C13FFA-297C-4366-86F1-A0B9E1C86535}" type="datetimeFigureOut">
               <a:rPr lang="en-GB" smtClean="0"/>
-              <a:t>12/11/2018</a:t>
+              <a:t>14/11/2018</a:t>
             </a:fld>
             <a:endParaRPr lang="en-GB"/>
           </a:p>
@@ -2020,7 +2020,7 @@
           <a:p>
             <a:fld id="{59C13FFA-297C-4366-86F1-A0B9E1C86535}" type="datetimeFigureOut">
               <a:rPr lang="en-GB" smtClean="0"/>
-              <a:t>12/11/2018</a:t>
+              <a:t>14/11/2018</a:t>
             </a:fld>
             <a:endParaRPr lang="en-GB"/>
           </a:p>
@@ -2880,7 +2880,7 @@
           <a:p>
             <a:fld id="{59C13FFA-297C-4366-86F1-A0B9E1C86535}" type="datetimeFigureOut">
               <a:rPr lang="en-GB" smtClean="0"/>
-              <a:t>12/11/2018</a:t>
+              <a:t>14/11/2018</a:t>
             </a:fld>
             <a:endParaRPr lang="en-GB"/>
           </a:p>
@@ -3050,7 +3050,7 @@
           <a:p>
             <a:fld id="{59C13FFA-297C-4366-86F1-A0B9E1C86535}" type="datetimeFigureOut">
               <a:rPr lang="en-GB" smtClean="0"/>
-              <a:t>12/11/2018</a:t>
+              <a:t>14/11/2018</a:t>
             </a:fld>
             <a:endParaRPr lang="en-GB"/>
           </a:p>
@@ -3230,7 +3230,7 @@
           <a:p>
             <a:fld id="{59C13FFA-297C-4366-86F1-A0B9E1C86535}" type="datetimeFigureOut">
               <a:rPr lang="en-GB" smtClean="0"/>
-              <a:t>12/11/2018</a:t>
+              <a:t>14/11/2018</a:t>
             </a:fld>
             <a:endParaRPr lang="en-GB"/>
           </a:p>
@@ -3793,7 +3793,7 @@
           <a:p>
             <a:fld id="{59C13FFA-297C-4366-86F1-A0B9E1C86535}" type="datetimeFigureOut">
               <a:rPr lang="en-GB" smtClean="0"/>
-              <a:t>12/11/2018</a:t>
+              <a:t>14/11/2018</a:t>
             </a:fld>
             <a:endParaRPr lang="en-GB"/>
           </a:p>
@@ -3968,7 +3968,7 @@
           <a:p>
             <a:fld id="{59C13FFA-297C-4366-86F1-A0B9E1C86535}" type="datetimeFigureOut">
               <a:rPr lang="en-GB" smtClean="0"/>
-              <a:t>12/11/2018</a:t>
+              <a:t>14/11/2018</a:t>
             </a:fld>
             <a:endParaRPr lang="en-GB"/>
           </a:p>
@@ -4143,7 +4143,7 @@
           <a:p>
             <a:fld id="{59C13FFA-297C-4366-86F1-A0B9E1C86535}" type="datetimeFigureOut">
               <a:rPr lang="en-GB" smtClean="0"/>
-              <a:t>12/11/2018</a:t>
+              <a:t>14/11/2018</a:t>
             </a:fld>
             <a:endParaRPr lang="en-GB"/>
           </a:p>
@@ -4389,7 +4389,7 @@
           <a:p>
             <a:fld id="{59C13FFA-297C-4366-86F1-A0B9E1C86535}" type="datetimeFigureOut">
               <a:rPr lang="en-GB" smtClean="0"/>
-              <a:t>12/11/2018</a:t>
+              <a:t>14/11/2018</a:t>
             </a:fld>
             <a:endParaRPr lang="en-GB"/>
           </a:p>
@@ -4686,7 +4686,7 @@
           <a:p>
             <a:fld id="{59C13FFA-297C-4366-86F1-A0B9E1C86535}" type="datetimeFigureOut">
               <a:rPr lang="en-GB" smtClean="0"/>
-              <a:t>12/11/2018</a:t>
+              <a:t>14/11/2018</a:t>
             </a:fld>
             <a:endParaRPr lang="en-GB"/>
           </a:p>
@@ -5128,7 +5128,7 @@
           <a:p>
             <a:fld id="{59C13FFA-297C-4366-86F1-A0B9E1C86535}" type="datetimeFigureOut">
               <a:rPr lang="en-GB" smtClean="0"/>
-              <a:t>12/11/2018</a:t>
+              <a:t>14/11/2018</a:t>
             </a:fld>
             <a:endParaRPr lang="en-GB"/>
           </a:p>
@@ -5246,7 +5246,7 @@
           <a:p>
             <a:fld id="{59C13FFA-297C-4366-86F1-A0B9E1C86535}" type="datetimeFigureOut">
               <a:rPr lang="en-GB" smtClean="0"/>
-              <a:t>12/11/2018</a:t>
+              <a:t>14/11/2018</a:t>
             </a:fld>
             <a:endParaRPr lang="en-GB"/>
           </a:p>
@@ -5341,7 +5341,7 @@
           <a:p>
             <a:fld id="{59C13FFA-297C-4366-86F1-A0B9E1C86535}" type="datetimeFigureOut">
               <a:rPr lang="en-GB" smtClean="0"/>
-              <a:t>12/11/2018</a:t>
+              <a:t>14/11/2018</a:t>
             </a:fld>
             <a:endParaRPr lang="en-GB"/>
           </a:p>
@@ -5624,7 +5624,7 @@
           <a:p>
             <a:fld id="{59C13FFA-297C-4366-86F1-A0B9E1C86535}" type="datetimeFigureOut">
               <a:rPr lang="en-GB" smtClean="0"/>
-              <a:t>12/11/2018</a:t>
+              <a:t>14/11/2018</a:t>
             </a:fld>
             <a:endParaRPr lang="en-GB"/>
           </a:p>
@@ -5915,7 +5915,7 @@
           <a:p>
             <a:fld id="{59C13FFA-297C-4366-86F1-A0B9E1C86535}" type="datetimeFigureOut">
               <a:rPr lang="en-GB" smtClean="0"/>
-              <a:t>12/11/2018</a:t>
+              <a:t>14/11/2018</a:t>
             </a:fld>
             <a:endParaRPr lang="en-GB"/>
           </a:p>
@@ -6206,7 +6206,7 @@
           <a:p>
             <a:fld id="{59C13FFA-297C-4366-86F1-A0B9E1C86535}" type="datetimeFigureOut">
               <a:rPr lang="en-GB" smtClean="0"/>
-              <a:t>12/11/2018</a:t>
+              <a:t>14/11/2018</a:t>
             </a:fld>
             <a:endParaRPr lang="en-GB"/>
           </a:p>
@@ -6454,7 +6454,7 @@
           <a:p>
             <a:fld id="{59C13FFA-297C-4366-86F1-A0B9E1C86535}" type="datetimeFigureOut">
               <a:rPr lang="en-GB" smtClean="0"/>
-              <a:t>12/11/2018</a:t>
+              <a:t>14/11/2018</a:t>
             </a:fld>
             <a:endParaRPr lang="en-GB"/>
           </a:p>
@@ -6994,7 +6994,7 @@
           <a:p>
             <a:fld id="{59C13FFA-297C-4366-86F1-A0B9E1C86535}" type="datetimeFigureOut">
               <a:rPr lang="en-GB" smtClean="0"/>
-              <a:t>12/11/2018</a:t>
+              <a:t>14/11/2018</a:t>
             </a:fld>
             <a:endParaRPr lang="en-GB"/>
           </a:p>
@@ -7241,7 +7241,7 @@
           <a:p>
             <a:fld id="{59C13FFA-297C-4366-86F1-A0B9E1C86535}" type="datetimeFigureOut">
               <a:rPr lang="en-GB" smtClean="0"/>
-              <a:t>12/11/2018</a:t>
+              <a:t>14/11/2018</a:t>
             </a:fld>
             <a:endParaRPr lang="en-GB"/>
           </a:p>
@@ -7489,7 +7489,7 @@
           <a:p>
             <a:fld id="{59C13FFA-297C-4366-86F1-A0B9E1C86535}" type="datetimeFigureOut">
               <a:rPr lang="en-GB" smtClean="0"/>
-              <a:t>12/11/2018</a:t>
+              <a:t>14/11/2018</a:t>
             </a:fld>
             <a:endParaRPr lang="en-GB"/>
           </a:p>
@@ -8021,7 +8021,7 @@
           <a:p>
             <a:fld id="{59C13FFA-297C-4366-86F1-A0B9E1C86535}" type="datetimeFigureOut">
               <a:rPr lang="en-GB" smtClean="0"/>
-              <a:t>12/11/2018</a:t>
+              <a:t>14/11/2018</a:t>
             </a:fld>
             <a:endParaRPr lang="en-GB"/>
           </a:p>
@@ -8318,7 +8318,7 @@
           <a:p>
             <a:fld id="{59C13FFA-297C-4366-86F1-A0B9E1C86535}" type="datetimeFigureOut">
               <a:rPr lang="en-GB" smtClean="0"/>
-              <a:t>12/11/2018</a:t>
+              <a:t>14/11/2018</a:t>
             </a:fld>
             <a:endParaRPr lang="en-GB"/>
           </a:p>
@@ -8492,7 +8492,7 @@
           <a:p>
             <a:fld id="{59C13FFA-297C-4366-86F1-A0B9E1C86535}" type="datetimeFigureOut">
               <a:rPr lang="en-GB" smtClean="0"/>
-              <a:t>12/11/2018</a:t>
+              <a:t>14/11/2018</a:t>
             </a:fld>
             <a:endParaRPr lang="en-GB"/>
           </a:p>
@@ -8672,7 +8672,7 @@
           <a:p>
             <a:fld id="{59C13FFA-297C-4366-86F1-A0B9E1C86535}" type="datetimeFigureOut">
               <a:rPr lang="en-GB" smtClean="0"/>
-              <a:t>12/11/2018</a:t>
+              <a:t>14/11/2018</a:t>
             </a:fld>
             <a:endParaRPr lang="en-GB"/>
           </a:p>
@@ -8964,7 +8964,7 @@
           <a:p>
             <a:fld id="{59C13FFA-297C-4366-86F1-A0B9E1C86535}" type="datetimeFigureOut">
               <a:rPr lang="en-GB" smtClean="0"/>
-              <a:t>12/11/2018</a:t>
+              <a:t>14/11/2018</a:t>
             </a:fld>
             <a:endParaRPr lang="en-GB"/>
           </a:p>
@@ -9408,7 +9408,7 @@
           <a:p>
             <a:fld id="{59C13FFA-297C-4366-86F1-A0B9E1C86535}" type="datetimeFigureOut">
               <a:rPr lang="en-GB" smtClean="0"/>
-              <a:t>12/11/2018</a:t>
+              <a:t>14/11/2018</a:t>
             </a:fld>
             <a:endParaRPr lang="en-GB"/>
           </a:p>
@@ -9526,7 +9526,7 @@
           <a:p>
             <a:fld id="{59C13FFA-297C-4366-86F1-A0B9E1C86535}" type="datetimeFigureOut">
               <a:rPr lang="en-GB" smtClean="0"/>
-              <a:t>12/11/2018</a:t>
+              <a:t>14/11/2018</a:t>
             </a:fld>
             <a:endParaRPr lang="en-GB"/>
           </a:p>
@@ -9621,7 +9621,7 @@
           <a:p>
             <a:fld id="{59C13FFA-297C-4366-86F1-A0B9E1C86535}" type="datetimeFigureOut">
               <a:rPr lang="en-GB" smtClean="0"/>
-              <a:t>12/11/2018</a:t>
+              <a:t>14/11/2018</a:t>
             </a:fld>
             <a:endParaRPr lang="en-GB"/>
           </a:p>
@@ -9900,7 +9900,7 @@
           <a:p>
             <a:fld id="{59C13FFA-297C-4366-86F1-A0B9E1C86535}" type="datetimeFigureOut">
               <a:rPr lang="en-GB" smtClean="0"/>
-              <a:t>12/11/2018</a:t>
+              <a:t>14/11/2018</a:t>
             </a:fld>
             <a:endParaRPr lang="en-GB"/>
           </a:p>
@@ -10175,7 +10175,7 @@
           <a:p>
             <a:fld id="{59C13FFA-297C-4366-86F1-A0B9E1C86535}" type="datetimeFigureOut">
               <a:rPr lang="en-GB" smtClean="0"/>
-              <a:t>12/11/2018</a:t>
+              <a:t>14/11/2018</a:t>
             </a:fld>
             <a:endParaRPr lang="en-GB"/>
           </a:p>
@@ -10604,7 +10604,7 @@
           <a:p>
             <a:fld id="{59C13FFA-297C-4366-86F1-A0B9E1C86535}" type="datetimeFigureOut">
               <a:rPr lang="en-GB" smtClean="0"/>
-              <a:t>12/11/2018</a:t>
+              <a:t>14/11/2018</a:t>
             </a:fld>
             <a:endParaRPr lang="en-GB"/>
           </a:p>
@@ -11584,7 +11584,7 @@
           <a:p>
             <a:fld id="{59C13FFA-297C-4366-86F1-A0B9E1C86535}" type="datetimeFigureOut">
               <a:rPr lang="en-GB" smtClean="0"/>
-              <a:t>12/11/2018</a:t>
+              <a:t>14/11/2018</a:t>
             </a:fld>
             <a:endParaRPr lang="en-GB"/>
           </a:p>
@@ -13525,72 +13525,6 @@
       </p:sp>
       <p:sp>
         <p:nvSpPr>
-          <p:cNvPr id="3" name="Content Placeholder 2">
-            <a:extLst>
-              <a:ext uri="{FF2B5EF4-FFF2-40B4-BE49-F238E27FC236}">
-                <a16:creationId xmlns:a16="http://schemas.microsoft.com/office/drawing/2014/main" id="{5FE67C7C-FBB1-4769-9C77-24E5B6F71BB5}"/>
-              </a:ext>
-            </a:extLst>
-          </p:cNvPr>
-          <p:cNvSpPr>
-            <a:spLocks noGrp="1"/>
-          </p:cNvSpPr>
-          <p:nvPr>
-            <p:ph idx="1"/>
-          </p:nvPr>
-        </p:nvSpPr>
-        <p:spPr>
-          <a:xfrm>
-            <a:off x="8338115" y="-125835"/>
-            <a:ext cx="4074795" cy="2972499"/>
-          </a:xfrm>
-        </p:spPr>
-        <p:txBody>
-          <a:bodyPr/>
-          <a:lstStyle/>
-          <a:p>
-            <a:pPr marL="0" indent="0">
-              <a:buNone/>
-            </a:pPr>
-            <a:r>
-              <a:rPr lang="en-GB" dirty="0"/>
-              <a:t>Bullet points (to be improved) </a:t>
-            </a:r>
-          </a:p>
-          <a:p>
-            <a:pPr>
-              <a:buFontTx/>
-              <a:buChar char="-"/>
-            </a:pPr>
-            <a:r>
-              <a:rPr lang="en-GB" dirty="0"/>
-              <a:t>Initial ideas for names</a:t>
-            </a:r>
-          </a:p>
-          <a:p>
-            <a:pPr>
-              <a:buFontTx/>
-              <a:buChar char="-"/>
-            </a:pPr>
-            <a:r>
-              <a:rPr lang="en-GB" dirty="0"/>
-              <a:t>Why did I choose StudySesh</a:t>
-            </a:r>
-          </a:p>
-          <a:p>
-            <a:pPr>
-              <a:buFontTx/>
-              <a:buChar char="-"/>
-            </a:pPr>
-            <a:r>
-              <a:rPr lang="en-GB" dirty="0"/>
-              <a:t>Meaning behind the name</a:t>
-            </a:r>
-          </a:p>
-        </p:txBody>
-      </p:sp>
-      <p:sp>
-        <p:nvSpPr>
           <p:cNvPr id="5" name="TextBox 4">
             <a:extLst>
               <a:ext uri="{FF2B5EF4-FFF2-40B4-BE49-F238E27FC236}">
@@ -13603,8 +13537,8 @@
         </p:nvSpPr>
         <p:spPr>
           <a:xfrm>
-            <a:off x="2427813" y="2722453"/>
-            <a:ext cx="9326880" cy="1754326"/>
+            <a:off x="2176144" y="2126835"/>
+            <a:ext cx="9326880" cy="3970318"/>
           </a:xfrm>
           <a:prstGeom prst="rect">
             <a:avLst/>
@@ -13626,7 +13560,31 @@
           <a:p>
             <a:r>
               <a:rPr lang="en-GB" dirty="0"/>
-              <a:t>As the website is based on GCSE revision and is focused to young audiences, it means that the name of the website must contain some words that are familiar to teens. </a:t>
+              <a:t>As the website is based on GCSE revision and is focused to young audiences, it means that the name of the website must contain some words that are familiar to teens. I chose this approach as younger audiences are usually more attracted to things that they find relatable.</a:t>
+            </a:r>
+          </a:p>
+          <a:p>
+            <a:r>
+              <a:rPr lang="en-GB" dirty="0"/>
+              <a:t>Some of the names that I came up with were:</a:t>
+            </a:r>
+          </a:p>
+          <a:p>
+            <a:r>
+              <a:rPr lang="en-GB" dirty="0"/>
+              <a:t>	- MasterGCSE : I considered this name inappropriate for the website as it was both too long 	and not very relatable to the target audience</a:t>
+            </a:r>
+          </a:p>
+          <a:p>
+            <a:r>
+              <a:rPr lang="en-GB" dirty="0"/>
+              <a:t>	- RevSite : It was a name combined from a mixture of ‘Revision’ and ‘Site’.</a:t>
+            </a:r>
+          </a:p>
+          <a:p>
+            <a:r>
+              <a:rPr lang="en-GB" dirty="0"/>
+              <a:t>	- StudySesh : It’s a combination of the words ‘Study’ and ‘Sesh’ (sesh is an abbreviation of 	the word session). This name is very concise and uses language that is common between 	teenagers, which makes it more relatable.</a:t>
             </a:r>
           </a:p>
         </p:txBody>
@@ -13691,45 +13649,159 @@
       </p:sp>
       <p:sp>
         <p:nvSpPr>
-          <p:cNvPr id="3" name="Content Placeholder 2">
+          <p:cNvPr id="4" name="TextBox 3">
             <a:extLst>
               <a:ext uri="{FF2B5EF4-FFF2-40B4-BE49-F238E27FC236}">
-                <a16:creationId xmlns:a16="http://schemas.microsoft.com/office/drawing/2014/main" id="{0F9C36F8-25FE-4F52-86FE-A447252BD895}"/>
+                <a16:creationId xmlns:a16="http://schemas.microsoft.com/office/drawing/2014/main" id="{BE8C5CC1-7722-496B-A735-037B796232D9}"/>
               </a:ext>
             </a:extLst>
           </p:cNvPr>
-          <p:cNvSpPr>
-            <a:spLocks noGrp="1"/>
-          </p:cNvSpPr>
-          <p:nvPr>
-            <p:ph idx="1"/>
-          </p:nvPr>
-        </p:nvSpPr>
-        <p:spPr/>
-        <p:txBody>
-          <a:bodyPr/>
-          <a:lstStyle/>
-          <a:p>
-            <a:pPr marL="0" indent="0">
-              <a:buNone/>
-            </a:pPr>
+          <p:cNvSpPr txBox="1"/>
+          <p:nvPr/>
+        </p:nvSpPr>
+        <p:spPr>
+          <a:xfrm>
+            <a:off x="1830227" y="2041105"/>
+            <a:ext cx="9326880" cy="2031325"/>
+          </a:xfrm>
+          <a:prstGeom prst="rect">
+            <a:avLst/>
+          </a:prstGeom>
+          <a:noFill/>
+        </p:spPr>
+        <p:txBody>
+          <a:bodyPr wrap="square" rtlCol="0">
+            <a:spAutoFit/>
+          </a:bodyPr>
+          <a:lstStyle/>
+          <a:p>
             <a:r>
               <a:rPr lang="en-GB" dirty="0"/>
-              <a:t>Bullet points (to be improved) </a:t>
-            </a:r>
-          </a:p>
-          <a:p>
-            <a:pPr>
-              <a:buFontTx/>
-              <a:buChar char="-"/>
-            </a:pPr>
-            <a:r>
-              <a:rPr lang="en-GB" dirty="0"/>
-              <a:t>Why did I used the colours that I did? Link it to the research I did on website design.</a:t>
-            </a:r>
-          </a:p>
-        </p:txBody>
-      </p:sp>
+              <a:t>As mentioned in my ‘Website project brief’ under the exemplar websites topics, the main colours that I was aiming to use in this website would be predominantly whiter colours, as they are associated with a modern look. I also added other colours such as blue and black, so the website wouldn’t look too simple. A small mix of colours also adds a sense of variety that users can associate with. When combining them, I also had to make sure that they weren’t obstructing colour blind users from navigating the page, as the user experience is of great importance for the success of a website.</a:t>
+            </a:r>
+          </a:p>
+        </p:txBody>
+      </p:sp>
+      <p:pic>
+        <p:nvPicPr>
+          <p:cNvPr id="7" name="Picture 6">
+            <a:extLst>
+              <a:ext uri="{FF2B5EF4-FFF2-40B4-BE49-F238E27FC236}">
+                <a16:creationId xmlns:a16="http://schemas.microsoft.com/office/drawing/2014/main" id="{E207BBEE-55CC-466E-8ADA-C47DAE6C9321}"/>
+              </a:ext>
+            </a:extLst>
+          </p:cNvPr>
+          <p:cNvPicPr>
+            <a:picLocks noChangeAspect="1"/>
+          </p:cNvPicPr>
+          <p:nvPr/>
+        </p:nvPicPr>
+        <p:blipFill>
+          <a:blip r:embed="rId2"/>
+          <a:stretch>
+            <a:fillRect/>
+          </a:stretch>
+        </p:blipFill>
+        <p:spPr>
+          <a:xfrm>
+            <a:off x="2695186" y="4596013"/>
+            <a:ext cx="1352550" cy="1123950"/>
+          </a:xfrm>
+          <a:prstGeom prst="rect">
+            <a:avLst/>
+          </a:prstGeom>
+        </p:spPr>
+      </p:pic>
+      <p:pic>
+        <p:nvPicPr>
+          <p:cNvPr id="8" name="Picture 7">
+            <a:extLst>
+              <a:ext uri="{FF2B5EF4-FFF2-40B4-BE49-F238E27FC236}">
+                <a16:creationId xmlns:a16="http://schemas.microsoft.com/office/drawing/2014/main" id="{7B72E064-AA7C-4F2D-B280-8515CBB9FFFD}"/>
+              </a:ext>
+            </a:extLst>
+          </p:cNvPr>
+          <p:cNvPicPr>
+            <a:picLocks noChangeAspect="1"/>
+          </p:cNvPicPr>
+          <p:nvPr/>
+        </p:nvPicPr>
+        <p:blipFill>
+          <a:blip r:embed="rId3"/>
+          <a:stretch>
+            <a:fillRect/>
+          </a:stretch>
+        </p:blipFill>
+        <p:spPr>
+          <a:xfrm>
+            <a:off x="4963874" y="4606711"/>
+            <a:ext cx="1352549" cy="1113252"/>
+          </a:xfrm>
+          <a:prstGeom prst="rect">
+            <a:avLst/>
+          </a:prstGeom>
+        </p:spPr>
+      </p:pic>
+      <p:pic>
+        <p:nvPicPr>
+          <p:cNvPr id="9" name="Picture 8">
+            <a:extLst>
+              <a:ext uri="{FF2B5EF4-FFF2-40B4-BE49-F238E27FC236}">
+                <a16:creationId xmlns:a16="http://schemas.microsoft.com/office/drawing/2014/main" id="{63BDA5F9-4F14-4A91-AC44-BD5411DEE727}"/>
+              </a:ext>
+            </a:extLst>
+          </p:cNvPr>
+          <p:cNvPicPr>
+            <a:picLocks noChangeAspect="1"/>
+          </p:cNvPicPr>
+          <p:nvPr/>
+        </p:nvPicPr>
+        <p:blipFill>
+          <a:blip r:embed="rId4"/>
+          <a:stretch>
+            <a:fillRect/>
+          </a:stretch>
+        </p:blipFill>
+        <p:spPr>
+          <a:xfrm>
+            <a:off x="7140693" y="4596013"/>
+            <a:ext cx="1352549" cy="1095375"/>
+          </a:xfrm>
+          <a:prstGeom prst="rect">
+            <a:avLst/>
+          </a:prstGeom>
+        </p:spPr>
+      </p:pic>
+      <p:pic>
+        <p:nvPicPr>
+          <p:cNvPr id="10" name="Picture 9">
+            <a:extLst>
+              <a:ext uri="{FF2B5EF4-FFF2-40B4-BE49-F238E27FC236}">
+                <a16:creationId xmlns:a16="http://schemas.microsoft.com/office/drawing/2014/main" id="{D4AC8AA7-D96A-466E-9312-5B6B593E5D08}"/>
+              </a:ext>
+            </a:extLst>
+          </p:cNvPr>
+          <p:cNvPicPr>
+            <a:picLocks noChangeAspect="1"/>
+          </p:cNvPicPr>
+          <p:nvPr/>
+        </p:nvPicPr>
+        <p:blipFill>
+          <a:blip r:embed="rId5"/>
+          <a:stretch>
+            <a:fillRect/>
+          </a:stretch>
+        </p:blipFill>
+        <p:spPr>
+          <a:xfrm>
+            <a:off x="9198697" y="4596013"/>
+            <a:ext cx="1352548" cy="1122870"/>
+          </a:xfrm>
+          <a:prstGeom prst="rect">
+            <a:avLst/>
+          </a:prstGeom>
+        </p:spPr>
+      </p:pic>
     </p:spTree>
     <p:extLst>
       <p:ext uri="{BB962C8B-B14F-4D97-AF65-F5344CB8AC3E}">
@@ -13923,7 +13995,12 @@
             <p:ph idx="1"/>
           </p:nvPr>
         </p:nvSpPr>
-        <p:spPr/>
+        <p:spPr>
+          <a:xfrm>
+            <a:off x="418908" y="-2"/>
+            <a:ext cx="10018713" cy="3124201"/>
+          </a:xfrm>
+        </p:spPr>
         <p:txBody>
           <a:bodyPr/>
           <a:lstStyle/>
@@ -13963,6 +14040,41 @@
             <a:r>
               <a:rPr lang="en-GB" dirty="0"/>
               <a:t>What content is missing because of copyright or timing issues</a:t>
+            </a:r>
+          </a:p>
+        </p:txBody>
+      </p:sp>
+      <p:sp>
+        <p:nvSpPr>
+          <p:cNvPr id="4" name="TextBox 3">
+            <a:extLst>
+              <a:ext uri="{FF2B5EF4-FFF2-40B4-BE49-F238E27FC236}">
+                <a16:creationId xmlns:a16="http://schemas.microsoft.com/office/drawing/2014/main" id="{EB26D111-0CE3-42BE-9BA6-0F2580C6B098}"/>
+              </a:ext>
+            </a:extLst>
+          </p:cNvPr>
+          <p:cNvSpPr txBox="1"/>
+          <p:nvPr/>
+        </p:nvSpPr>
+        <p:spPr>
+          <a:xfrm>
+            <a:off x="1830227" y="2863226"/>
+            <a:ext cx="9326880" cy="2031325"/>
+          </a:xfrm>
+          <a:prstGeom prst="rect">
+            <a:avLst/>
+          </a:prstGeom>
+          <a:noFill/>
+        </p:spPr>
+        <p:txBody>
+          <a:bodyPr wrap="square" rtlCol="0">
+            <a:spAutoFit/>
+          </a:bodyPr>
+          <a:lstStyle/>
+          <a:p>
+            <a:r>
+              <a:rPr lang="en-GB" dirty="0"/>
+              <a:t>As mentioned in my ‘Website project brief’ under the exemplar websites topics, the main colours that I was aiming to use in this website would be predominantly whiter colours, as they are associated with a modern look. I also added other colours such as blue and black, so the website wouldn’t look too simple. A small mix of colours also adds a sense of variety that users can associate with. When combining them, I also had to make sure that they weren’t obstructing colour blind users from navigating the page, as the user experience is of great importance for the success of a website.</a:t>
             </a:r>
           </a:p>
         </p:txBody>

--- a/Documents/Official Documents/Development Presentation.pptx
+++ b/Documents/Official Documents/Development Presentation.pptx
@@ -314,7 +314,7 @@
           <a:p>
             <a:fld id="{59C13FFA-297C-4366-86F1-A0B9E1C86535}" type="datetimeFigureOut">
               <a:rPr lang="en-GB" smtClean="0"/>
-              <a:t>14/11/2018</a:t>
+              <a:t>03/12/2018</a:t>
             </a:fld>
             <a:endParaRPr lang="en-GB"/>
           </a:p>
@@ -589,7 +589,7 @@
           <a:p>
             <a:fld id="{59C13FFA-297C-4366-86F1-A0B9E1C86535}" type="datetimeFigureOut">
               <a:rPr lang="en-GB" smtClean="0"/>
-              <a:t>14/11/2018</a:t>
+              <a:t>03/12/2018</a:t>
             </a:fld>
             <a:endParaRPr lang="en-GB"/>
           </a:p>
@@ -783,7 +783,7 @@
           <a:p>
             <a:fld id="{59C13FFA-297C-4366-86F1-A0B9E1C86535}" type="datetimeFigureOut">
               <a:rPr lang="en-GB" smtClean="0"/>
-              <a:t>14/11/2018</a:t>
+              <a:t>03/12/2018</a:t>
             </a:fld>
             <a:endParaRPr lang="en-GB"/>
           </a:p>
@@ -1056,7 +1056,7 @@
           <a:p>
             <a:fld id="{59C13FFA-297C-4366-86F1-A0B9E1C86535}" type="datetimeFigureOut">
               <a:rPr lang="en-GB" smtClean="0"/>
-              <a:t>14/11/2018</a:t>
+              <a:t>03/12/2018</a:t>
             </a:fld>
             <a:endParaRPr lang="en-GB"/>
           </a:p>
@@ -1397,7 +1397,7 @@
           <a:p>
             <a:fld id="{59C13FFA-297C-4366-86F1-A0B9E1C86535}" type="datetimeFigureOut">
               <a:rPr lang="en-GB" smtClean="0"/>
-              <a:t>14/11/2018</a:t>
+              <a:t>03/12/2018</a:t>
             </a:fld>
             <a:endParaRPr lang="en-GB"/>
           </a:p>
@@ -2020,7 +2020,7 @@
           <a:p>
             <a:fld id="{59C13FFA-297C-4366-86F1-A0B9E1C86535}" type="datetimeFigureOut">
               <a:rPr lang="en-GB" smtClean="0"/>
-              <a:t>14/11/2018</a:t>
+              <a:t>03/12/2018</a:t>
             </a:fld>
             <a:endParaRPr lang="en-GB"/>
           </a:p>
@@ -2880,7 +2880,7 @@
           <a:p>
             <a:fld id="{59C13FFA-297C-4366-86F1-A0B9E1C86535}" type="datetimeFigureOut">
               <a:rPr lang="en-GB" smtClean="0"/>
-              <a:t>14/11/2018</a:t>
+              <a:t>03/12/2018</a:t>
             </a:fld>
             <a:endParaRPr lang="en-GB"/>
           </a:p>
@@ -3050,7 +3050,7 @@
           <a:p>
             <a:fld id="{59C13FFA-297C-4366-86F1-A0B9E1C86535}" type="datetimeFigureOut">
               <a:rPr lang="en-GB" smtClean="0"/>
-              <a:t>14/11/2018</a:t>
+              <a:t>03/12/2018</a:t>
             </a:fld>
             <a:endParaRPr lang="en-GB"/>
           </a:p>
@@ -3230,7 +3230,7 @@
           <a:p>
             <a:fld id="{59C13FFA-297C-4366-86F1-A0B9E1C86535}" type="datetimeFigureOut">
               <a:rPr lang="en-GB" smtClean="0"/>
-              <a:t>14/11/2018</a:t>
+              <a:t>03/12/2018</a:t>
             </a:fld>
             <a:endParaRPr lang="en-GB"/>
           </a:p>
@@ -3793,7 +3793,7 @@
           <a:p>
             <a:fld id="{59C13FFA-297C-4366-86F1-A0B9E1C86535}" type="datetimeFigureOut">
               <a:rPr lang="en-GB" smtClean="0"/>
-              <a:t>14/11/2018</a:t>
+              <a:t>03/12/2018</a:t>
             </a:fld>
             <a:endParaRPr lang="en-GB"/>
           </a:p>
@@ -3968,7 +3968,7 @@
           <a:p>
             <a:fld id="{59C13FFA-297C-4366-86F1-A0B9E1C86535}" type="datetimeFigureOut">
               <a:rPr lang="en-GB" smtClean="0"/>
-              <a:t>14/11/2018</a:t>
+              <a:t>03/12/2018</a:t>
             </a:fld>
             <a:endParaRPr lang="en-GB"/>
           </a:p>
@@ -4143,7 +4143,7 @@
           <a:p>
             <a:fld id="{59C13FFA-297C-4366-86F1-A0B9E1C86535}" type="datetimeFigureOut">
               <a:rPr lang="en-GB" smtClean="0"/>
-              <a:t>14/11/2018</a:t>
+              <a:t>03/12/2018</a:t>
             </a:fld>
             <a:endParaRPr lang="en-GB"/>
           </a:p>
@@ -4389,7 +4389,7 @@
           <a:p>
             <a:fld id="{59C13FFA-297C-4366-86F1-A0B9E1C86535}" type="datetimeFigureOut">
               <a:rPr lang="en-GB" smtClean="0"/>
-              <a:t>14/11/2018</a:t>
+              <a:t>03/12/2018</a:t>
             </a:fld>
             <a:endParaRPr lang="en-GB"/>
           </a:p>
@@ -4686,7 +4686,7 @@
           <a:p>
             <a:fld id="{59C13FFA-297C-4366-86F1-A0B9E1C86535}" type="datetimeFigureOut">
               <a:rPr lang="en-GB" smtClean="0"/>
-              <a:t>14/11/2018</a:t>
+              <a:t>03/12/2018</a:t>
             </a:fld>
             <a:endParaRPr lang="en-GB"/>
           </a:p>
@@ -5128,7 +5128,7 @@
           <a:p>
             <a:fld id="{59C13FFA-297C-4366-86F1-A0B9E1C86535}" type="datetimeFigureOut">
               <a:rPr lang="en-GB" smtClean="0"/>
-              <a:t>14/11/2018</a:t>
+              <a:t>03/12/2018</a:t>
             </a:fld>
             <a:endParaRPr lang="en-GB"/>
           </a:p>
@@ -5246,7 +5246,7 @@
           <a:p>
             <a:fld id="{59C13FFA-297C-4366-86F1-A0B9E1C86535}" type="datetimeFigureOut">
               <a:rPr lang="en-GB" smtClean="0"/>
-              <a:t>14/11/2018</a:t>
+              <a:t>03/12/2018</a:t>
             </a:fld>
             <a:endParaRPr lang="en-GB"/>
           </a:p>
@@ -5341,7 +5341,7 @@
           <a:p>
             <a:fld id="{59C13FFA-297C-4366-86F1-A0B9E1C86535}" type="datetimeFigureOut">
               <a:rPr lang="en-GB" smtClean="0"/>
-              <a:t>14/11/2018</a:t>
+              <a:t>03/12/2018</a:t>
             </a:fld>
             <a:endParaRPr lang="en-GB"/>
           </a:p>
@@ -5624,7 +5624,7 @@
           <a:p>
             <a:fld id="{59C13FFA-297C-4366-86F1-A0B9E1C86535}" type="datetimeFigureOut">
               <a:rPr lang="en-GB" smtClean="0"/>
-              <a:t>14/11/2018</a:t>
+              <a:t>03/12/2018</a:t>
             </a:fld>
             <a:endParaRPr lang="en-GB"/>
           </a:p>
@@ -5915,7 +5915,7 @@
           <a:p>
             <a:fld id="{59C13FFA-297C-4366-86F1-A0B9E1C86535}" type="datetimeFigureOut">
               <a:rPr lang="en-GB" smtClean="0"/>
-              <a:t>14/11/2018</a:t>
+              <a:t>03/12/2018</a:t>
             </a:fld>
             <a:endParaRPr lang="en-GB"/>
           </a:p>
@@ -6206,7 +6206,7 @@
           <a:p>
             <a:fld id="{59C13FFA-297C-4366-86F1-A0B9E1C86535}" type="datetimeFigureOut">
               <a:rPr lang="en-GB" smtClean="0"/>
-              <a:t>14/11/2018</a:t>
+              <a:t>03/12/2018</a:t>
             </a:fld>
             <a:endParaRPr lang="en-GB"/>
           </a:p>
@@ -6454,7 +6454,7 @@
           <a:p>
             <a:fld id="{59C13FFA-297C-4366-86F1-A0B9E1C86535}" type="datetimeFigureOut">
               <a:rPr lang="en-GB" smtClean="0"/>
-              <a:t>14/11/2018</a:t>
+              <a:t>03/12/2018</a:t>
             </a:fld>
             <a:endParaRPr lang="en-GB"/>
           </a:p>
@@ -6994,7 +6994,7 @@
           <a:p>
             <a:fld id="{59C13FFA-297C-4366-86F1-A0B9E1C86535}" type="datetimeFigureOut">
               <a:rPr lang="en-GB" smtClean="0"/>
-              <a:t>14/11/2018</a:t>
+              <a:t>03/12/2018</a:t>
             </a:fld>
             <a:endParaRPr lang="en-GB"/>
           </a:p>
@@ -7241,7 +7241,7 @@
           <a:p>
             <a:fld id="{59C13FFA-297C-4366-86F1-A0B9E1C86535}" type="datetimeFigureOut">
               <a:rPr lang="en-GB" smtClean="0"/>
-              <a:t>14/11/2018</a:t>
+              <a:t>03/12/2018</a:t>
             </a:fld>
             <a:endParaRPr lang="en-GB"/>
           </a:p>
@@ -7489,7 +7489,7 @@
           <a:p>
             <a:fld id="{59C13FFA-297C-4366-86F1-A0B9E1C86535}" type="datetimeFigureOut">
               <a:rPr lang="en-GB" smtClean="0"/>
-              <a:t>14/11/2018</a:t>
+              <a:t>03/12/2018</a:t>
             </a:fld>
             <a:endParaRPr lang="en-GB"/>
           </a:p>
@@ -8021,7 +8021,7 @@
           <a:p>
             <a:fld id="{59C13FFA-297C-4366-86F1-A0B9E1C86535}" type="datetimeFigureOut">
               <a:rPr lang="en-GB" smtClean="0"/>
-              <a:t>14/11/2018</a:t>
+              <a:t>03/12/2018</a:t>
             </a:fld>
             <a:endParaRPr lang="en-GB"/>
           </a:p>
@@ -8318,7 +8318,7 @@
           <a:p>
             <a:fld id="{59C13FFA-297C-4366-86F1-A0B9E1C86535}" type="datetimeFigureOut">
               <a:rPr lang="en-GB" smtClean="0"/>
-              <a:t>14/11/2018</a:t>
+              <a:t>03/12/2018</a:t>
             </a:fld>
             <a:endParaRPr lang="en-GB"/>
           </a:p>
@@ -8492,7 +8492,7 @@
           <a:p>
             <a:fld id="{59C13FFA-297C-4366-86F1-A0B9E1C86535}" type="datetimeFigureOut">
               <a:rPr lang="en-GB" smtClean="0"/>
-              <a:t>14/11/2018</a:t>
+              <a:t>03/12/2018</a:t>
             </a:fld>
             <a:endParaRPr lang="en-GB"/>
           </a:p>
@@ -8672,7 +8672,7 @@
           <a:p>
             <a:fld id="{59C13FFA-297C-4366-86F1-A0B9E1C86535}" type="datetimeFigureOut">
               <a:rPr lang="en-GB" smtClean="0"/>
-              <a:t>14/11/2018</a:t>
+              <a:t>03/12/2018</a:t>
             </a:fld>
             <a:endParaRPr lang="en-GB"/>
           </a:p>
@@ -8964,7 +8964,7 @@
           <a:p>
             <a:fld id="{59C13FFA-297C-4366-86F1-A0B9E1C86535}" type="datetimeFigureOut">
               <a:rPr lang="en-GB" smtClean="0"/>
-              <a:t>14/11/2018</a:t>
+              <a:t>03/12/2018</a:t>
             </a:fld>
             <a:endParaRPr lang="en-GB"/>
           </a:p>
@@ -9408,7 +9408,7 @@
           <a:p>
             <a:fld id="{59C13FFA-297C-4366-86F1-A0B9E1C86535}" type="datetimeFigureOut">
               <a:rPr lang="en-GB" smtClean="0"/>
-              <a:t>14/11/2018</a:t>
+              <a:t>03/12/2018</a:t>
             </a:fld>
             <a:endParaRPr lang="en-GB"/>
           </a:p>
@@ -9526,7 +9526,7 @@
           <a:p>
             <a:fld id="{59C13FFA-297C-4366-86F1-A0B9E1C86535}" type="datetimeFigureOut">
               <a:rPr lang="en-GB" smtClean="0"/>
-              <a:t>14/11/2018</a:t>
+              <a:t>03/12/2018</a:t>
             </a:fld>
             <a:endParaRPr lang="en-GB"/>
           </a:p>
@@ -9621,7 +9621,7 @@
           <a:p>
             <a:fld id="{59C13FFA-297C-4366-86F1-A0B9E1C86535}" type="datetimeFigureOut">
               <a:rPr lang="en-GB" smtClean="0"/>
-              <a:t>14/11/2018</a:t>
+              <a:t>03/12/2018</a:t>
             </a:fld>
             <a:endParaRPr lang="en-GB"/>
           </a:p>
@@ -9900,7 +9900,7 @@
           <a:p>
             <a:fld id="{59C13FFA-297C-4366-86F1-A0B9E1C86535}" type="datetimeFigureOut">
               <a:rPr lang="en-GB" smtClean="0"/>
-              <a:t>14/11/2018</a:t>
+              <a:t>03/12/2018</a:t>
             </a:fld>
             <a:endParaRPr lang="en-GB"/>
           </a:p>
@@ -10175,7 +10175,7 @@
           <a:p>
             <a:fld id="{59C13FFA-297C-4366-86F1-A0B9E1C86535}" type="datetimeFigureOut">
               <a:rPr lang="en-GB" smtClean="0"/>
-              <a:t>14/11/2018</a:t>
+              <a:t>03/12/2018</a:t>
             </a:fld>
             <a:endParaRPr lang="en-GB"/>
           </a:p>
@@ -10604,7 +10604,7 @@
           <a:p>
             <a:fld id="{59C13FFA-297C-4366-86F1-A0B9E1C86535}" type="datetimeFigureOut">
               <a:rPr lang="en-GB" smtClean="0"/>
-              <a:t>14/11/2018</a:t>
+              <a:t>03/12/2018</a:t>
             </a:fld>
             <a:endParaRPr lang="en-GB"/>
           </a:p>
@@ -11584,7 +11584,7 @@
           <a:p>
             <a:fld id="{59C13FFA-297C-4366-86F1-A0B9E1C86535}" type="datetimeFigureOut">
               <a:rPr lang="en-GB" smtClean="0"/>
-              <a:t>14/11/2018</a:t>
+              <a:t>03/12/2018</a:t>
             </a:fld>
             <a:endParaRPr lang="en-GB"/>
           </a:p>
@@ -13981,71 +13981,6 @@
       </p:sp>
       <p:sp>
         <p:nvSpPr>
-          <p:cNvPr id="3" name="Content Placeholder 2">
-            <a:extLst>
-              <a:ext uri="{FF2B5EF4-FFF2-40B4-BE49-F238E27FC236}">
-                <a16:creationId xmlns:a16="http://schemas.microsoft.com/office/drawing/2014/main" id="{BE2F61CB-0840-4D21-BB32-2A5D48D35BB5}"/>
-              </a:ext>
-            </a:extLst>
-          </p:cNvPr>
-          <p:cNvSpPr>
-            <a:spLocks noGrp="1"/>
-          </p:cNvSpPr>
-          <p:nvPr>
-            <p:ph idx="1"/>
-          </p:nvPr>
-        </p:nvSpPr>
-        <p:spPr>
-          <a:xfrm>
-            <a:off x="418908" y="-2"/>
-            <a:ext cx="10018713" cy="3124201"/>
-          </a:xfrm>
-        </p:spPr>
-        <p:txBody>
-          <a:bodyPr/>
-          <a:lstStyle/>
-          <a:p>
-            <a:pPr marL="0" indent="0">
-              <a:buNone/>
-            </a:pPr>
-            <a:r>
-              <a:rPr lang="en-GB" dirty="0"/>
-              <a:t>Bullet points (to be improved) </a:t>
-            </a:r>
-          </a:p>
-          <a:p>
-            <a:pPr marL="0" indent="0">
-              <a:buNone/>
-            </a:pPr>
-            <a:r>
-              <a:rPr lang="en-GB" dirty="0"/>
-              <a:t>- What content is in the website</a:t>
-            </a:r>
-          </a:p>
-          <a:p>
-            <a:pPr>
-              <a:buFontTx/>
-              <a:buChar char="-"/>
-            </a:pPr>
-            <a:r>
-              <a:rPr lang="en-GB" dirty="0"/>
-              <a:t>Is my content acceptable for teenagers? Link to the research </a:t>
-            </a:r>
-          </a:p>
-          <a:p>
-            <a:pPr>
-              <a:buFontTx/>
-              <a:buChar char="-"/>
-            </a:pPr>
-            <a:r>
-              <a:rPr lang="en-GB" dirty="0"/>
-              <a:t>What content is missing because of copyright or timing issues</a:t>
-            </a:r>
-          </a:p>
-        </p:txBody>
-      </p:sp>
-      <p:sp>
-        <p:nvSpPr>
           <p:cNvPr id="4" name="TextBox 3">
             <a:extLst>
               <a:ext uri="{FF2B5EF4-FFF2-40B4-BE49-F238E27FC236}">
@@ -14058,8 +13993,8 @@
         </p:nvSpPr>
         <p:spPr>
           <a:xfrm>
-            <a:off x="1830227" y="2863226"/>
-            <a:ext cx="9326880" cy="2031325"/>
+            <a:off x="1498501" y="2535039"/>
+            <a:ext cx="6273898" cy="3416320"/>
           </a:xfrm>
           <a:prstGeom prst="rect">
             <a:avLst/>
@@ -14073,12 +14008,128 @@
           <a:lstStyle/>
           <a:p>
             <a:r>
+              <a:rPr lang="en-GB" dirty="0" smtClean="0"/>
+              <a:t>The content is the heart of a website. For the page to be successful it needs content that is up to standards and attracts the audience that you are targeting. Through research I concluded that the content of my website must follow this rules:</a:t>
+            </a:r>
+          </a:p>
+          <a:p>
+            <a:pPr marL="285750" indent="-285750">
+              <a:buFontTx/>
+              <a:buChar char="-"/>
+            </a:pPr>
+            <a:r>
+              <a:rPr lang="en-GB" dirty="0" smtClean="0"/>
+              <a:t>The </a:t>
+            </a:r>
+            <a:r>
               <a:rPr lang="en-GB" dirty="0"/>
-              <a:t>As mentioned in my ‘Website project brief’ under the exemplar websites topics, the main colours that I was aiming to use in this website would be predominantly whiter colours, as they are associated with a modern look. I also added other colours such as blue and black, so the website wouldn’t look too simple. A small mix of colours also adds a sense of variety that users can associate with. When combining them, I also had to make sure that they weren’t obstructing colour blind users from navigating the page, as the user experience is of great importance for the success of a website.</a:t>
-            </a:r>
-          </a:p>
-        </p:txBody>
-      </p:sp>
+              <a:t>content has to appeal to teenagers</a:t>
+            </a:r>
+            <a:r>
+              <a:rPr lang="en-GB" dirty="0" smtClean="0"/>
+              <a:t>.</a:t>
+            </a:r>
+          </a:p>
+          <a:p>
+            <a:pPr marL="285750" indent="-285750">
+              <a:buFontTx/>
+              <a:buChar char="-"/>
+            </a:pPr>
+            <a:r>
+              <a:rPr lang="en-GB" dirty="0" smtClean="0"/>
+              <a:t>The </a:t>
+            </a:r>
+            <a:r>
+              <a:rPr lang="en-GB" dirty="0"/>
+              <a:t>website should have a low amount of text for the user to read</a:t>
+            </a:r>
+            <a:r>
+              <a:rPr lang="en-GB" dirty="0" smtClean="0"/>
+              <a:t>.</a:t>
+            </a:r>
+          </a:p>
+          <a:p>
+            <a:pPr marL="285750" indent="-285750">
+              <a:buFontTx/>
+              <a:buChar char="-"/>
+            </a:pPr>
+            <a:r>
+              <a:rPr lang="en-GB" dirty="0" smtClean="0"/>
+              <a:t>It </a:t>
+            </a:r>
+            <a:r>
+              <a:rPr lang="en-GB" dirty="0"/>
+              <a:t>should contain animations and special effects</a:t>
+            </a:r>
+            <a:r>
+              <a:rPr lang="en-GB" dirty="0" smtClean="0"/>
+              <a:t>.</a:t>
+            </a:r>
+          </a:p>
+          <a:p>
+            <a:pPr marL="285750" indent="-285750">
+              <a:buFontTx/>
+              <a:buChar char="-"/>
+            </a:pPr>
+            <a:r>
+              <a:rPr lang="en-GB" dirty="0" smtClean="0"/>
+              <a:t>Advertising </a:t>
+            </a:r>
+            <a:r>
+              <a:rPr lang="en-GB" dirty="0"/>
+              <a:t>is allowed but should be kept to a minimum</a:t>
+            </a:r>
+            <a:r>
+              <a:rPr lang="en-GB" dirty="0" smtClean="0"/>
+              <a:t>.</a:t>
+            </a:r>
+          </a:p>
+          <a:p>
+            <a:r>
+              <a:rPr lang="en-GB" dirty="0" smtClean="0"/>
+              <a:t>By meeting this requirements, I’m adapting the website to the audience demands. </a:t>
+            </a:r>
+          </a:p>
+          <a:p>
+            <a:endParaRPr lang="en-GB" dirty="0"/>
+          </a:p>
+        </p:txBody>
+      </p:sp>
+      <p:pic>
+        <p:nvPicPr>
+          <p:cNvPr id="5" name="Picture 4"/>
+          <p:cNvPicPr/>
+          <p:nvPr/>
+        </p:nvPicPr>
+        <p:blipFill rotWithShape="1">
+          <a:blip r:embed="rId2">
+            <a:extLst>
+              <a:ext uri="{28A0092B-C50C-407E-A947-70E740481C1C}">
+                <a14:useLocalDpi xmlns:a14="http://schemas.microsoft.com/office/drawing/2010/main" val="0"/>
+              </a:ext>
+            </a:extLst>
+          </a:blip>
+          <a:srcRect l="3342" t="5202" r="1864" b="2890"/>
+          <a:stretch/>
+        </p:blipFill>
+        <p:spPr bwMode="auto">
+          <a:xfrm>
+            <a:off x="7772399" y="2651417"/>
+            <a:ext cx="4334235" cy="2317168"/>
+          </a:xfrm>
+          <a:prstGeom prst="rect">
+            <a:avLst/>
+          </a:prstGeom>
+          <a:ln>
+            <a:noFill/>
+          </a:ln>
+          <a:extLst>
+            <a:ext uri="{53640926-AAD7-44D8-BBD7-CCE9431645EC}">
+              <a14:shadowObscured xmlns:a14="http://schemas.microsoft.com/office/drawing/2010/main"/>
+            </a:ext>
+          </a:extLst>
+        </p:spPr>
+      </p:pic>
     </p:spTree>
     <p:extLst>
       <p:ext uri="{BB962C8B-B14F-4D97-AF65-F5344CB8AC3E}">
